--- a/Angular 8 Day 3 Components, Directives and Routes.pptx
+++ b/Angular 8 Day 3 Components, Directives and Routes.pptx
@@ -5,7 +5,7 @@
     <p:sldMasterId id="2147483648" r:id="rId4"/>
   </p:sldMasterIdLst>
   <p:notesMasterIdLst>
-    <p:notesMasterId r:id="rId36"/>
+    <p:notesMasterId r:id="rId37"/>
   </p:notesMasterIdLst>
   <p:sldIdLst>
     <p:sldId id="264" r:id="rId5"/>
@@ -19,26 +19,27 @@
     <p:sldId id="266" r:id="rId13"/>
     <p:sldId id="267" r:id="rId14"/>
     <p:sldId id="268" r:id="rId15"/>
-    <p:sldId id="272" r:id="rId16"/>
-    <p:sldId id="271" r:id="rId17"/>
-    <p:sldId id="269" r:id="rId18"/>
-    <p:sldId id="308" r:id="rId19"/>
-    <p:sldId id="309" r:id="rId20"/>
-    <p:sldId id="275" r:id="rId21"/>
-    <p:sldId id="276" r:id="rId22"/>
-    <p:sldId id="299" r:id="rId23"/>
-    <p:sldId id="301" r:id="rId24"/>
-    <p:sldId id="296" r:id="rId25"/>
-    <p:sldId id="277" r:id="rId26"/>
-    <p:sldId id="278" r:id="rId27"/>
-    <p:sldId id="297" r:id="rId28"/>
-    <p:sldId id="279" r:id="rId29"/>
-    <p:sldId id="280" r:id="rId30"/>
-    <p:sldId id="302" r:id="rId31"/>
-    <p:sldId id="283" r:id="rId32"/>
-    <p:sldId id="303" r:id="rId33"/>
-    <p:sldId id="305" r:id="rId34"/>
-    <p:sldId id="306" r:id="rId35"/>
+    <p:sldId id="312" r:id="rId16"/>
+    <p:sldId id="272" r:id="rId17"/>
+    <p:sldId id="271" r:id="rId18"/>
+    <p:sldId id="269" r:id="rId19"/>
+    <p:sldId id="308" r:id="rId20"/>
+    <p:sldId id="309" r:id="rId21"/>
+    <p:sldId id="275" r:id="rId22"/>
+    <p:sldId id="276" r:id="rId23"/>
+    <p:sldId id="299" r:id="rId24"/>
+    <p:sldId id="301" r:id="rId25"/>
+    <p:sldId id="296" r:id="rId26"/>
+    <p:sldId id="277" r:id="rId27"/>
+    <p:sldId id="278" r:id="rId28"/>
+    <p:sldId id="297" r:id="rId29"/>
+    <p:sldId id="279" r:id="rId30"/>
+    <p:sldId id="280" r:id="rId31"/>
+    <p:sldId id="302" r:id="rId32"/>
+    <p:sldId id="283" r:id="rId33"/>
+    <p:sldId id="303" r:id="rId34"/>
+    <p:sldId id="305" r:id="rId35"/>
+    <p:sldId id="306" r:id="rId36"/>
   </p:sldIdLst>
   <p:sldSz cx="12192000" cy="6858000"/>
   <p:notesSz cx="6858000" cy="9144000"/>
@@ -239,7 +240,7 @@
           <a:p>
             <a:fld id="{E5124C89-9E4D-46A0-9F75-5EC314A6B9D0}" type="datetimeFigureOut">
               <a:rPr lang="en-US" smtClean="0"/>
-              <a:t>10/22/19</a:t>
+              <a:t>11/14/19</a:t>
             </a:fld>
             <a:endParaRPr lang="en-US"/>
           </a:p>
@@ -1127,7 +1128,7 @@
             <a:fld id="{6A8B6E77-EC63-4CD7-8F8A-914122582C5F}" type="slidenum">
               <a:rPr lang="en-US" smtClean="0"/>
               <a:pPr/>
-              <a:t>14</a:t>
+              <a:t>15</a:t>
             </a:fld>
             <a:endParaRPr lang="en-US" dirty="0"/>
           </a:p>
@@ -1232,7 +1233,7 @@
             <a:fld id="{6A8B6E77-EC63-4CD7-8F8A-914122582C5F}" type="slidenum">
               <a:rPr lang="en-US" smtClean="0"/>
               <a:pPr/>
-              <a:t>27</a:t>
+              <a:t>28</a:t>
             </a:fld>
             <a:endParaRPr lang="en-US" dirty="0"/>
           </a:p>
@@ -1337,7 +1338,7 @@
             <a:fld id="{6A8B6E77-EC63-4CD7-8F8A-914122582C5F}" type="slidenum">
               <a:rPr lang="en-US" smtClean="0"/>
               <a:pPr/>
-              <a:t>28</a:t>
+              <a:t>29</a:t>
             </a:fld>
             <a:endParaRPr lang="en-US" dirty="0"/>
           </a:p>
@@ -1485,7 +1486,7 @@
           <a:p>
             <a:fld id="{E4DA08A9-E99A-449D-97EA-03594F87A7DA}" type="datetime1">
               <a:rPr lang="en-US" smtClean="0"/>
-              <a:t>10/22/19</a:t>
+              <a:t>11/14/19</a:t>
             </a:fld>
             <a:endParaRPr lang="en-US"/>
           </a:p>
@@ -1656,7 +1657,7 @@
           <a:p>
             <a:fld id="{883CDF1F-74FC-4450-A5FC-D93D849DDE98}" type="datetime1">
               <a:rPr lang="en-US" smtClean="0"/>
-              <a:t>10/22/19</a:t>
+              <a:t>11/14/19</a:t>
             </a:fld>
             <a:endParaRPr lang="en-US"/>
           </a:p>
@@ -1837,7 +1838,7 @@
           <a:p>
             <a:fld id="{D6BC3285-211B-4E7A-9021-E273F52CDE95}" type="datetime1">
               <a:rPr lang="en-US" smtClean="0"/>
-              <a:t>10/22/19</a:t>
+              <a:t>11/14/19</a:t>
             </a:fld>
             <a:endParaRPr lang="en-US"/>
           </a:p>
@@ -2556,7 +2557,7 @@
           <a:p>
             <a:fld id="{4BC27D32-148B-4D19-87DB-210B37BBF296}" type="datetime1">
               <a:rPr lang="en-US" smtClean="0"/>
-              <a:t>10/22/19</a:t>
+              <a:t>11/14/19</a:t>
             </a:fld>
             <a:endParaRPr lang="en-US"/>
           </a:p>
@@ -2804,7 +2805,7 @@
           <a:p>
             <a:fld id="{0D63B311-B923-4D72-9EB1-A5B31BBDC05B}" type="datetime1">
               <a:rPr lang="en-US" smtClean="0"/>
-              <a:t>10/22/19</a:t>
+              <a:t>11/14/19</a:t>
             </a:fld>
             <a:endParaRPr lang="en-US"/>
           </a:p>
@@ -3036,7 +3037,7 @@
           <a:p>
             <a:fld id="{E9193535-DC7A-4A4D-BB42-CCB9B860BA1C}" type="datetime1">
               <a:rPr lang="en-US" smtClean="0"/>
-              <a:t>10/22/19</a:t>
+              <a:t>11/14/19</a:t>
             </a:fld>
             <a:endParaRPr lang="en-US"/>
           </a:p>
@@ -3403,7 +3404,7 @@
           <a:p>
             <a:fld id="{7B69C3E3-6839-4D43-A65B-41E38905476E}" type="datetime1">
               <a:rPr lang="en-US" smtClean="0"/>
-              <a:t>10/22/19</a:t>
+              <a:t>11/14/19</a:t>
             </a:fld>
             <a:endParaRPr lang="en-US"/>
           </a:p>
@@ -3523,7 +3524,7 @@
           <a:p>
             <a:fld id="{7527B86C-92B3-45C7-98CD-71682F579926}" type="datetime1">
               <a:rPr lang="en-US" smtClean="0"/>
-              <a:t>10/22/19</a:t>
+              <a:t>11/14/19</a:t>
             </a:fld>
             <a:endParaRPr lang="en-US"/>
           </a:p>
@@ -3621,7 +3622,7 @@
           <a:p>
             <a:fld id="{3876AA04-D603-49CF-A915-19C2699F0D9C}" type="datetime1">
               <a:rPr lang="en-US" smtClean="0"/>
-              <a:t>10/22/19</a:t>
+              <a:t>11/14/19</a:t>
             </a:fld>
             <a:endParaRPr lang="en-US"/>
           </a:p>
@@ -3899,7 +3900,7 @@
           <a:p>
             <a:fld id="{24FCEB9F-E1B2-4B3E-9998-8B852C21F3B3}" type="datetime1">
               <a:rPr lang="en-US" smtClean="0"/>
-              <a:t>10/22/19</a:t>
+              <a:t>11/14/19</a:t>
             </a:fld>
             <a:endParaRPr lang="en-US"/>
           </a:p>
@@ -4154,7 +4155,7 @@
           <a:p>
             <a:fld id="{D8B3CE7D-01EF-41F2-AC3E-D8D07EAEBDF1}" type="datetime1">
               <a:rPr lang="en-US" smtClean="0"/>
-              <a:t>10/22/19</a:t>
+              <a:t>11/14/19</a:t>
             </a:fld>
             <a:endParaRPr lang="en-US"/>
           </a:p>
@@ -4377,7 +4378,7 @@
           <a:p>
             <a:fld id="{E0BCADBC-5CB9-448B-9205-04F52B25D552}" type="datetime1">
               <a:rPr lang="en-US" smtClean="0"/>
-              <a:t>10/22/19</a:t>
+              <a:t>11/14/19</a:t>
             </a:fld>
             <a:endParaRPr lang="en-US"/>
           </a:p>
@@ -5506,6 +5507,121 @@
       </p:grpSpPr>
       <p:sp>
         <p:nvSpPr>
+          <p:cNvPr id="6" name="Rectangle 5"/>
+          <p:cNvSpPr/>
+          <p:nvPr/>
+        </p:nvSpPr>
+        <p:spPr>
+          <a:xfrm>
+            <a:off x="1523999" y="5341258"/>
+            <a:ext cx="7010401" cy="754743"/>
+          </a:xfrm>
+          <a:prstGeom prst="rect">
+            <a:avLst/>
+          </a:prstGeom>
+          <a:noFill/>
+          <a:ln>
+            <a:noFill/>
+          </a:ln>
+        </p:spPr>
+        <p:style>
+          <a:lnRef idx="2">
+            <a:schemeClr val="accent1">
+              <a:shade val="50000"/>
+            </a:schemeClr>
+          </a:lnRef>
+          <a:fillRef idx="1">
+            <a:schemeClr val="accent1"/>
+          </a:fillRef>
+          <a:effectRef idx="0">
+            <a:schemeClr val="accent1"/>
+          </a:effectRef>
+          <a:fontRef idx="minor">
+            <a:schemeClr val="lt1"/>
+          </a:fontRef>
+        </p:style>
+        <p:txBody>
+          <a:bodyPr anchor="ctr"/>
+          <a:lstStyle/>
+          <a:p>
+            <a:pPr marL="238125" lvl="1"/>
+            <a:r>
+              <a:rPr lang="en-US" sz="2400" b="1" dirty="0">
+                <a:solidFill>
+                  <a:schemeClr val="tx1">
+                    <a:lumMod val="65000"/>
+                    <a:lumOff val="35000"/>
+                  </a:schemeClr>
+                </a:solidFill>
+                <a:latin typeface="Arial Rounded MT Bold" pitchFamily="34" charset="0"/>
+                <a:cs typeface="Arial" pitchFamily="34" charset="0"/>
+              </a:rPr>
+              <a:t>Life Cycle Hooks and Structural Directives</a:t>
+            </a:r>
+          </a:p>
+        </p:txBody>
+      </p:sp>
+      <p:sp>
+        <p:nvSpPr>
+          <p:cNvPr id="2" name="Footer Placeholder 1">
+            <a:extLst>
+              <a:ext uri="{FF2B5EF4-FFF2-40B4-BE49-F238E27FC236}">
+                <a16:creationId xmlns:a16="http://schemas.microsoft.com/office/drawing/2014/main" id="{F10B018A-6542-48CC-BF00-3516C0682F88}"/>
+              </a:ext>
+            </a:extLst>
+          </p:cNvPr>
+          <p:cNvSpPr>
+            <a:spLocks noGrp="1"/>
+          </p:cNvSpPr>
+          <p:nvPr>
+            <p:ph type="ftr" sz="quarter" idx="11"/>
+          </p:nvPr>
+        </p:nvSpPr>
+        <p:spPr/>
+        <p:txBody>
+          <a:bodyPr/>
+          <a:lstStyle/>
+          <a:p>
+            <a:r>
+              <a:rPr lang="en-US"/>
+              <a:t>© Cognizant 2019</a:t>
+            </a:r>
+            <a:endParaRPr lang="en-US" dirty="0"/>
+          </a:p>
+        </p:txBody>
+      </p:sp>
+    </p:spTree>
+    <p:extLst>
+      <p:ext uri="{BB962C8B-B14F-4D97-AF65-F5344CB8AC3E}">
+        <p14:creationId xmlns:p14="http://schemas.microsoft.com/office/powerpoint/2010/main" val="328889018"/>
+      </p:ext>
+    </p:extLst>
+  </p:cSld>
+  <p:clrMapOvr>
+    <a:masterClrMapping/>
+  </p:clrMapOvr>
+</p:sld>
+</file>
+
+<file path=ppt/slides/slide13.xml><?xml version="1.0" encoding="utf-8"?>
+<p:sld xmlns:a="http://schemas.openxmlformats.org/drawingml/2006/main" xmlns:r="http://schemas.openxmlformats.org/officeDocument/2006/relationships" xmlns:p="http://schemas.openxmlformats.org/presentationml/2006/main">
+  <p:cSld>
+    <p:spTree>
+      <p:nvGrpSpPr>
+        <p:cNvPr id="1" name=""/>
+        <p:cNvGrpSpPr/>
+        <p:nvPr/>
+      </p:nvGrpSpPr>
+      <p:grpSpPr>
+        <a:xfrm>
+          <a:off x="0" y="0"/>
+          <a:ext cx="0" cy="0"/>
+          <a:chOff x="0" y="0"/>
+          <a:chExt cx="0" cy="0"/>
+        </a:xfrm>
+      </p:grpSpPr>
+      <p:sp>
+        <p:nvSpPr>
           <p:cNvPr id="2" name="Title 1"/>
           <p:cNvSpPr>
             <a:spLocks noGrp="1"/>
@@ -5951,7 +6067,7 @@
           <a:p>
             <a:fld id="{E78F02F3-22D8-47E7-88DF-DE854B750366}" type="slidenum">
               <a:rPr lang="en-US" smtClean="0"/>
-              <a:t>12</a:t>
+              <a:t>13</a:t>
             </a:fld>
             <a:endParaRPr lang="en-US"/>
           </a:p>
@@ -5970,7 +6086,7 @@
 </p:sld>
 </file>
 
-<file path=ppt/slides/slide13.xml><?xml version="1.0" encoding="utf-8"?>
+<file path=ppt/slides/slide14.xml><?xml version="1.0" encoding="utf-8"?>
 <p:sld xmlns:a="http://schemas.openxmlformats.org/drawingml/2006/main" xmlns:r="http://schemas.openxmlformats.org/officeDocument/2006/relationships" xmlns:p="http://schemas.openxmlformats.org/presentationml/2006/main">
   <p:cSld>
     <p:spTree>
@@ -6326,7 +6442,7 @@
           <a:p>
             <a:fld id="{E78F02F3-22D8-47E7-88DF-DE854B750366}" type="slidenum">
               <a:rPr lang="en-US" smtClean="0"/>
-              <a:t>13</a:t>
+              <a:t>14</a:t>
             </a:fld>
             <a:endParaRPr lang="en-US"/>
           </a:p>
@@ -6345,7 +6461,7 @@
 </p:sld>
 </file>
 
-<file path=ppt/slides/slide14.xml><?xml version="1.0" encoding="utf-8"?>
+<file path=ppt/slides/slide15.xml><?xml version="1.0" encoding="utf-8"?>
 <p:sld xmlns:a="http://schemas.openxmlformats.org/drawingml/2006/main" xmlns:r="http://schemas.openxmlformats.org/officeDocument/2006/relationships" xmlns:p="http://schemas.openxmlformats.org/presentationml/2006/main">
   <p:cSld>
     <p:spTree>
@@ -6648,7 +6764,7 @@
           <a:p>
             <a:fld id="{E78F02F3-22D8-47E7-88DF-DE854B750366}" type="slidenum">
               <a:rPr lang="en-US" smtClean="0"/>
-              <a:t>14</a:t>
+              <a:t>15</a:t>
             </a:fld>
             <a:endParaRPr lang="en-US"/>
           </a:p>
@@ -6658,186 +6774,6 @@
     <p:extLst>
       <p:ext uri="{BB962C8B-B14F-4D97-AF65-F5344CB8AC3E}">
         <p14:creationId xmlns:p14="http://schemas.microsoft.com/office/powerpoint/2010/main" val="355351437"/>
-      </p:ext>
-    </p:extLst>
-  </p:cSld>
-  <p:clrMapOvr>
-    <a:masterClrMapping/>
-  </p:clrMapOvr>
-</p:sld>
-</file>
-
-<file path=ppt/slides/slide15.xml><?xml version="1.0" encoding="utf-8"?>
-<p:sld xmlns:a="http://schemas.openxmlformats.org/drawingml/2006/main" xmlns:r="http://schemas.openxmlformats.org/officeDocument/2006/relationships" xmlns:p="http://schemas.openxmlformats.org/presentationml/2006/main">
-  <p:cSld>
-    <p:spTree>
-      <p:nvGrpSpPr>
-        <p:cNvPr id="1" name=""/>
-        <p:cNvGrpSpPr/>
-        <p:nvPr/>
-      </p:nvGrpSpPr>
-      <p:grpSpPr>
-        <a:xfrm>
-          <a:off x="0" y="0"/>
-          <a:ext cx="0" cy="0"/>
-          <a:chOff x="0" y="0"/>
-          <a:chExt cx="0" cy="0"/>
-        </a:xfrm>
-      </p:grpSpPr>
-      <p:sp>
-        <p:nvSpPr>
-          <p:cNvPr id="2" name="Title 1"/>
-          <p:cNvSpPr>
-            <a:spLocks noGrp="1"/>
-          </p:cNvSpPr>
-          <p:nvPr>
-            <p:ph type="title"/>
-          </p:nvPr>
-        </p:nvSpPr>
-        <p:spPr>
-          <a:xfrm>
-            <a:off x="3120225" y="0"/>
-            <a:ext cx="2048123" cy="660593"/>
-          </a:xfrm>
-        </p:spPr>
-        <p:txBody>
-          <a:bodyPr>
-            <a:normAutofit fontScale="90000"/>
-          </a:bodyPr>
-          <a:lstStyle/>
-          <a:p>
-            <a:r>
-              <a:rPr lang="en-US" dirty="0"/>
-              <a:t>*</a:t>
-            </a:r>
-            <a:r>
-              <a:rPr lang="en-US" dirty="0" err="1"/>
-              <a:t>ngIf</a:t>
-            </a:r>
-            <a:endParaRPr lang="en-US" dirty="0"/>
-          </a:p>
-        </p:txBody>
-      </p:sp>
-      <p:sp>
-        <p:nvSpPr>
-          <p:cNvPr id="3" name="Content Placeholder 2"/>
-          <p:cNvSpPr>
-            <a:spLocks noGrp="1"/>
-          </p:cNvSpPr>
-          <p:nvPr>
-            <p:ph idx="1"/>
-          </p:nvPr>
-        </p:nvSpPr>
-        <p:spPr>
-          <a:xfrm>
-            <a:off x="782541" y="950981"/>
-            <a:ext cx="10515600" cy="4351338"/>
-          </a:xfrm>
-        </p:spPr>
-        <p:txBody>
-          <a:bodyPr/>
-          <a:lstStyle/>
-          <a:p>
-            <a:r>
-              <a:rPr lang="en-US" dirty="0"/>
-              <a:t>*</a:t>
-            </a:r>
-            <a:r>
-              <a:rPr lang="en-US" dirty="0" err="1"/>
-              <a:t>ngIf</a:t>
-            </a:r>
-            <a:r>
-              <a:rPr lang="en-US" dirty="0"/>
-              <a:t> will render the html tag and all nested tags if the attribute value is defined or ‘true’ if it is a Boolean type.</a:t>
-            </a:r>
-          </a:p>
-        </p:txBody>
-      </p:sp>
-      <p:pic>
-        <p:nvPicPr>
-          <p:cNvPr id="4" name="Picture 3"/>
-          <p:cNvPicPr>
-            <a:picLocks noChangeAspect="1"/>
-          </p:cNvPicPr>
-          <p:nvPr/>
-        </p:nvPicPr>
-        <p:blipFill>
-          <a:blip r:embed="rId2"/>
-          <a:stretch>
-            <a:fillRect/>
-          </a:stretch>
-        </p:blipFill>
-        <p:spPr>
-          <a:xfrm>
-            <a:off x="1395412" y="2185987"/>
-            <a:ext cx="9401175" cy="2486025"/>
-          </a:xfrm>
-          <a:prstGeom prst="rect">
-            <a:avLst/>
-          </a:prstGeom>
-        </p:spPr>
-      </p:pic>
-      <p:sp>
-        <p:nvSpPr>
-          <p:cNvPr id="5" name="Footer Placeholder 1"/>
-          <p:cNvSpPr>
-            <a:spLocks noGrp="1"/>
-          </p:cNvSpPr>
-          <p:nvPr>
-            <p:ph type="ftr" sz="quarter" idx="11"/>
-          </p:nvPr>
-        </p:nvSpPr>
-        <p:spPr>
-          <a:xfrm>
-            <a:off x="194826" y="6424247"/>
-            <a:ext cx="1371600" cy="228600"/>
-          </a:xfrm>
-        </p:spPr>
-        <p:txBody>
-          <a:bodyPr/>
-          <a:lstStyle/>
-          <a:p>
-            <a:r>
-              <a:rPr lang="en-US"/>
-              <a:t>© Cognizant 2019</a:t>
-            </a:r>
-            <a:endParaRPr lang="en-US" dirty="0"/>
-          </a:p>
-        </p:txBody>
-      </p:sp>
-      <p:sp>
-        <p:nvSpPr>
-          <p:cNvPr id="6" name="Slide Number Placeholder 5">
-            <a:extLst>
-              <a:ext uri="{FF2B5EF4-FFF2-40B4-BE49-F238E27FC236}">
-                <a16:creationId xmlns:a16="http://schemas.microsoft.com/office/drawing/2014/main" id="{1DBD7608-2617-433B-BA4E-AA6FB67454D8}"/>
-              </a:ext>
-            </a:extLst>
-          </p:cNvPr>
-          <p:cNvSpPr>
-            <a:spLocks noGrp="1"/>
-          </p:cNvSpPr>
-          <p:nvPr>
-            <p:ph type="sldNum" sz="quarter" idx="12"/>
-          </p:nvPr>
-        </p:nvSpPr>
-        <p:spPr/>
-        <p:txBody>
-          <a:bodyPr/>
-          <a:lstStyle/>
-          <a:p>
-            <a:fld id="{E78F02F3-22D8-47E7-88DF-DE854B750366}" type="slidenum">
-              <a:rPr lang="en-US" smtClean="0"/>
-              <a:t>15</a:t>
-            </a:fld>
-            <a:endParaRPr lang="en-US"/>
-          </a:p>
-        </p:txBody>
-      </p:sp>
-    </p:spTree>
-    <p:extLst>
-      <p:ext uri="{BB962C8B-B14F-4D97-AF65-F5344CB8AC3E}">
-        <p14:creationId xmlns:p14="http://schemas.microsoft.com/office/powerpoint/2010/main" val="1902867071"/>
       </p:ext>
     </p:extLst>
   </p:cSld>
@@ -6876,8 +6812,8 @@
         </p:nvSpPr>
         <p:spPr>
           <a:xfrm>
-            <a:off x="3072517" y="0"/>
-            <a:ext cx="2056075" cy="692398"/>
+            <a:off x="3120225" y="0"/>
+            <a:ext cx="2048123" cy="660593"/>
           </a:xfrm>
         </p:spPr>
         <p:txBody>
@@ -6888,8 +6824,13 @@
           <a:p>
             <a:r>
               <a:rPr lang="en-US" dirty="0"/>
-              <a:t>*ngFor</a:t>
-            </a:r>
+              <a:t>*</a:t>
+            </a:r>
+            <a:r>
+              <a:rPr lang="en-US" dirty="0" err="1"/>
+              <a:t>ngIf</a:t>
+            </a:r>
+            <a:endParaRPr lang="en-US" dirty="0"/>
           </a:p>
         </p:txBody>
       </p:sp>
@@ -6905,7 +6846,7 @@
         </p:nvSpPr>
         <p:spPr>
           <a:xfrm>
-            <a:off x="790492" y="935079"/>
+            <a:off x="782541" y="950981"/>
             <a:ext cx="10515600" cy="4351338"/>
           </a:xfrm>
         </p:spPr>
@@ -6915,14 +6856,22 @@
           <a:p>
             <a:r>
               <a:rPr lang="en-US" dirty="0"/>
-              <a:t>*ngFor will render the html tag and all nested tags for every element in an array.</a:t>
+              <a:t>*</a:t>
+            </a:r>
+            <a:r>
+              <a:rPr lang="en-US" dirty="0" err="1"/>
+              <a:t>ngIf</a:t>
+            </a:r>
+            <a:r>
+              <a:rPr lang="en-US" dirty="0"/>
+              <a:t> will render the html tag and all nested tags if the attribute value is defined or ‘true’ if it is a Boolean type.</a:t>
             </a:r>
           </a:p>
         </p:txBody>
       </p:sp>
       <p:pic>
         <p:nvPicPr>
-          <p:cNvPr id="6" name="Picture 5"/>
+          <p:cNvPr id="4" name="Picture 3"/>
           <p:cNvPicPr>
             <a:picLocks noChangeAspect="1"/>
           </p:cNvPicPr>
@@ -6936,65 +6885,17 @@
         </p:blipFill>
         <p:spPr>
           <a:xfrm>
-            <a:off x="3530379" y="3727698"/>
-            <a:ext cx="4110825" cy="2844575"/>
+            <a:off x="1395412" y="2185987"/>
+            <a:ext cx="9401175" cy="2486025"/>
           </a:xfrm>
           <a:prstGeom prst="rect">
             <a:avLst/>
           </a:prstGeom>
         </p:spPr>
       </p:pic>
-      <p:pic>
-        <p:nvPicPr>
-          <p:cNvPr id="7" name="Picture 6"/>
-          <p:cNvPicPr>
-            <a:picLocks noChangeAspect="1"/>
-          </p:cNvPicPr>
-          <p:nvPr/>
-        </p:nvPicPr>
-        <p:blipFill>
-          <a:blip r:embed="rId3"/>
-          <a:stretch>
-            <a:fillRect/>
-          </a:stretch>
-        </p:blipFill>
-        <p:spPr>
-          <a:xfrm>
-            <a:off x="1156253" y="1776288"/>
-            <a:ext cx="6484951" cy="1848043"/>
-          </a:xfrm>
-          <a:prstGeom prst="rect">
-            <a:avLst/>
-          </a:prstGeom>
-        </p:spPr>
-      </p:pic>
-      <p:pic>
-        <p:nvPicPr>
-          <p:cNvPr id="8" name="Picture 7"/>
-          <p:cNvPicPr>
-            <a:picLocks noChangeAspect="1"/>
-          </p:cNvPicPr>
-          <p:nvPr/>
-        </p:nvPicPr>
-        <p:blipFill>
-          <a:blip r:embed="rId4"/>
-          <a:stretch>
-            <a:fillRect/>
-          </a:stretch>
-        </p:blipFill>
-        <p:spPr>
-          <a:xfrm>
-            <a:off x="7887720" y="1776287"/>
-            <a:ext cx="3257197" cy="4592707"/>
-          </a:xfrm>
-          <a:prstGeom prst="rect">
-            <a:avLst/>
-          </a:prstGeom>
-        </p:spPr>
-      </p:pic>
-      <p:sp>
-        <p:nvSpPr>
-          <p:cNvPr id="9" name="Footer Placeholder 1"/>
+      <p:sp>
+        <p:nvSpPr>
+          <p:cNvPr id="5" name="Footer Placeholder 1"/>
           <p:cNvSpPr>
             <a:spLocks noGrp="1"/>
           </p:cNvSpPr>
@@ -7022,10 +6923,10 @@
       </p:sp>
       <p:sp>
         <p:nvSpPr>
-          <p:cNvPr id="4" name="Slide Number Placeholder 3">
+          <p:cNvPr id="6" name="Slide Number Placeholder 5">
             <a:extLst>
               <a:ext uri="{FF2B5EF4-FFF2-40B4-BE49-F238E27FC236}">
-                <a16:creationId xmlns:a16="http://schemas.microsoft.com/office/drawing/2014/main" id="{BA58052B-9AE6-4AB3-BB66-853EFF917942}"/>
+                <a16:creationId xmlns:a16="http://schemas.microsoft.com/office/drawing/2014/main" id="{1DBD7608-2617-433B-BA4E-AA6FB67454D8}"/>
               </a:ext>
             </a:extLst>
           </p:cNvPr>
@@ -7052,7 +6953,7 @@
     </p:spTree>
     <p:extLst>
       <p:ext uri="{BB962C8B-B14F-4D97-AF65-F5344CB8AC3E}">
-        <p14:creationId xmlns:p14="http://schemas.microsoft.com/office/powerpoint/2010/main" val="506536172"/>
+        <p14:creationId xmlns:p14="http://schemas.microsoft.com/office/powerpoint/2010/main" val="1902867071"/>
       </p:ext>
     </p:extLst>
   </p:cSld>
@@ -7081,6 +6982,221 @@
       </p:grpSpPr>
       <p:sp>
         <p:nvSpPr>
+          <p:cNvPr id="2" name="Title 1"/>
+          <p:cNvSpPr>
+            <a:spLocks noGrp="1"/>
+          </p:cNvSpPr>
+          <p:nvPr>
+            <p:ph type="title"/>
+          </p:nvPr>
+        </p:nvSpPr>
+        <p:spPr>
+          <a:xfrm>
+            <a:off x="3072517" y="0"/>
+            <a:ext cx="2056075" cy="692398"/>
+          </a:xfrm>
+        </p:spPr>
+        <p:txBody>
+          <a:bodyPr>
+            <a:normAutofit fontScale="90000"/>
+          </a:bodyPr>
+          <a:lstStyle/>
+          <a:p>
+            <a:r>
+              <a:rPr lang="en-US" dirty="0"/>
+              <a:t>*ngFor</a:t>
+            </a:r>
+          </a:p>
+        </p:txBody>
+      </p:sp>
+      <p:sp>
+        <p:nvSpPr>
+          <p:cNvPr id="3" name="Content Placeholder 2"/>
+          <p:cNvSpPr>
+            <a:spLocks noGrp="1"/>
+          </p:cNvSpPr>
+          <p:nvPr>
+            <p:ph idx="1"/>
+          </p:nvPr>
+        </p:nvSpPr>
+        <p:spPr>
+          <a:xfrm>
+            <a:off x="790492" y="935079"/>
+            <a:ext cx="10515600" cy="4351338"/>
+          </a:xfrm>
+        </p:spPr>
+        <p:txBody>
+          <a:bodyPr/>
+          <a:lstStyle/>
+          <a:p>
+            <a:r>
+              <a:rPr lang="en-US" dirty="0"/>
+              <a:t>*ngFor will render the html tag and all nested tags for every element in an array.</a:t>
+            </a:r>
+          </a:p>
+        </p:txBody>
+      </p:sp>
+      <p:pic>
+        <p:nvPicPr>
+          <p:cNvPr id="6" name="Picture 5"/>
+          <p:cNvPicPr>
+            <a:picLocks noChangeAspect="1"/>
+          </p:cNvPicPr>
+          <p:nvPr/>
+        </p:nvPicPr>
+        <p:blipFill>
+          <a:blip r:embed="rId2"/>
+          <a:stretch>
+            <a:fillRect/>
+          </a:stretch>
+        </p:blipFill>
+        <p:spPr>
+          <a:xfrm>
+            <a:off x="3530379" y="3727698"/>
+            <a:ext cx="4110825" cy="2844575"/>
+          </a:xfrm>
+          <a:prstGeom prst="rect">
+            <a:avLst/>
+          </a:prstGeom>
+        </p:spPr>
+      </p:pic>
+      <p:pic>
+        <p:nvPicPr>
+          <p:cNvPr id="7" name="Picture 6"/>
+          <p:cNvPicPr>
+            <a:picLocks noChangeAspect="1"/>
+          </p:cNvPicPr>
+          <p:nvPr/>
+        </p:nvPicPr>
+        <p:blipFill>
+          <a:blip r:embed="rId3"/>
+          <a:stretch>
+            <a:fillRect/>
+          </a:stretch>
+        </p:blipFill>
+        <p:spPr>
+          <a:xfrm>
+            <a:off x="1156253" y="1776288"/>
+            <a:ext cx="6484951" cy="1848043"/>
+          </a:xfrm>
+          <a:prstGeom prst="rect">
+            <a:avLst/>
+          </a:prstGeom>
+        </p:spPr>
+      </p:pic>
+      <p:pic>
+        <p:nvPicPr>
+          <p:cNvPr id="8" name="Picture 7"/>
+          <p:cNvPicPr>
+            <a:picLocks noChangeAspect="1"/>
+          </p:cNvPicPr>
+          <p:nvPr/>
+        </p:nvPicPr>
+        <p:blipFill>
+          <a:blip r:embed="rId4"/>
+          <a:stretch>
+            <a:fillRect/>
+          </a:stretch>
+        </p:blipFill>
+        <p:spPr>
+          <a:xfrm>
+            <a:off x="7887720" y="1776287"/>
+            <a:ext cx="3257197" cy="4592707"/>
+          </a:xfrm>
+          <a:prstGeom prst="rect">
+            <a:avLst/>
+          </a:prstGeom>
+        </p:spPr>
+      </p:pic>
+      <p:sp>
+        <p:nvSpPr>
+          <p:cNvPr id="9" name="Footer Placeholder 1"/>
+          <p:cNvSpPr>
+            <a:spLocks noGrp="1"/>
+          </p:cNvSpPr>
+          <p:nvPr>
+            <p:ph type="ftr" sz="quarter" idx="11"/>
+          </p:nvPr>
+        </p:nvSpPr>
+        <p:spPr>
+          <a:xfrm>
+            <a:off x="194826" y="6424247"/>
+            <a:ext cx="1371600" cy="228600"/>
+          </a:xfrm>
+        </p:spPr>
+        <p:txBody>
+          <a:bodyPr/>
+          <a:lstStyle/>
+          <a:p>
+            <a:r>
+              <a:rPr lang="en-US"/>
+              <a:t>© Cognizant 2019</a:t>
+            </a:r>
+            <a:endParaRPr lang="en-US" dirty="0"/>
+          </a:p>
+        </p:txBody>
+      </p:sp>
+      <p:sp>
+        <p:nvSpPr>
+          <p:cNvPr id="4" name="Slide Number Placeholder 3">
+            <a:extLst>
+              <a:ext uri="{FF2B5EF4-FFF2-40B4-BE49-F238E27FC236}">
+                <a16:creationId xmlns:a16="http://schemas.microsoft.com/office/drawing/2014/main" id="{BA58052B-9AE6-4AB3-BB66-853EFF917942}"/>
+              </a:ext>
+            </a:extLst>
+          </p:cNvPr>
+          <p:cNvSpPr>
+            <a:spLocks noGrp="1"/>
+          </p:cNvSpPr>
+          <p:nvPr>
+            <p:ph type="sldNum" sz="quarter" idx="12"/>
+          </p:nvPr>
+        </p:nvSpPr>
+        <p:spPr/>
+        <p:txBody>
+          <a:bodyPr/>
+          <a:lstStyle/>
+          <a:p>
+            <a:fld id="{E78F02F3-22D8-47E7-88DF-DE854B750366}" type="slidenum">
+              <a:rPr lang="en-US" smtClean="0"/>
+              <a:t>17</a:t>
+            </a:fld>
+            <a:endParaRPr lang="en-US"/>
+          </a:p>
+        </p:txBody>
+      </p:sp>
+    </p:spTree>
+    <p:extLst>
+      <p:ext uri="{BB962C8B-B14F-4D97-AF65-F5344CB8AC3E}">
+        <p14:creationId xmlns:p14="http://schemas.microsoft.com/office/powerpoint/2010/main" val="506536172"/>
+      </p:ext>
+    </p:extLst>
+  </p:cSld>
+  <p:clrMapOvr>
+    <a:masterClrMapping/>
+  </p:clrMapOvr>
+</p:sld>
+</file>
+
+<file path=ppt/slides/slide18.xml><?xml version="1.0" encoding="utf-8"?>
+<p:sld xmlns:a="http://schemas.openxmlformats.org/drawingml/2006/main" xmlns:r="http://schemas.openxmlformats.org/officeDocument/2006/relationships" xmlns:p="http://schemas.openxmlformats.org/presentationml/2006/main">
+  <p:cSld>
+    <p:spTree>
+      <p:nvGrpSpPr>
+        <p:cNvPr id="1" name=""/>
+        <p:cNvGrpSpPr/>
+        <p:nvPr/>
+      </p:nvGrpSpPr>
+      <p:grpSpPr>
+        <a:xfrm>
+          <a:off x="0" y="0"/>
+          <a:ext cx="0" cy="0"/>
+          <a:chOff x="0" y="0"/>
+          <a:chExt cx="0" cy="0"/>
+        </a:xfrm>
+      </p:grpSpPr>
+      <p:sp>
+        <p:nvSpPr>
           <p:cNvPr id="6" name="Rectangle 5"/>
           <p:cNvSpPr/>
           <p:nvPr/>
@@ -7177,7 +7293,7 @@
 </p:sld>
 </file>
 
-<file path=ppt/slides/slide18.xml><?xml version="1.0" encoding="utf-8"?>
+<file path=ppt/slides/slide19.xml><?xml version="1.0" encoding="utf-8"?>
 <p:sld xmlns:a="http://schemas.openxmlformats.org/drawingml/2006/main" xmlns:r="http://schemas.openxmlformats.org/officeDocument/2006/relationships" xmlns:p="http://schemas.openxmlformats.org/presentationml/2006/main">
   <p:cSld>
     <p:spTree>
@@ -7503,7 +7619,7 @@
           <a:p>
             <a:fld id="{E78F02F3-22D8-47E7-88DF-DE854B750366}" type="slidenum">
               <a:rPr lang="en-US" smtClean="0"/>
-              <a:t>18</a:t>
+              <a:t>19</a:t>
             </a:fld>
             <a:endParaRPr lang="en-US"/>
           </a:p>
@@ -7979,213 +8095,6 @@
 </p:sld>
 </file>
 
-<file path=ppt/slides/slide19.xml><?xml version="1.0" encoding="utf-8"?>
-<p:sld xmlns:a="http://schemas.openxmlformats.org/drawingml/2006/main" xmlns:r="http://schemas.openxmlformats.org/officeDocument/2006/relationships" xmlns:p="http://schemas.openxmlformats.org/presentationml/2006/main">
-  <p:cSld>
-    <p:spTree>
-      <p:nvGrpSpPr>
-        <p:cNvPr id="1" name=""/>
-        <p:cNvGrpSpPr/>
-        <p:nvPr/>
-      </p:nvGrpSpPr>
-      <p:grpSpPr>
-        <a:xfrm>
-          <a:off x="0" y="0"/>
-          <a:ext cx="0" cy="0"/>
-          <a:chOff x="0" y="0"/>
-          <a:chExt cx="0" cy="0"/>
-        </a:xfrm>
-      </p:grpSpPr>
-      <p:sp>
-        <p:nvSpPr>
-          <p:cNvPr id="2" name="Title 1"/>
-          <p:cNvSpPr>
-            <a:spLocks noGrp="1"/>
-          </p:cNvSpPr>
-          <p:nvPr>
-            <p:ph type="title"/>
-          </p:nvPr>
-        </p:nvSpPr>
-        <p:spPr>
-          <a:xfrm>
-            <a:off x="3017728" y="-297657"/>
-            <a:ext cx="8644003" cy="1325563"/>
-          </a:xfrm>
-        </p:spPr>
-        <p:txBody>
-          <a:bodyPr/>
-          <a:lstStyle/>
-          <a:p>
-            <a:r>
-              <a:rPr lang="en-US" dirty="0"/>
-              <a:t>HelloAngular home.component.html</a:t>
-            </a:r>
-          </a:p>
-        </p:txBody>
-      </p:sp>
-      <p:pic>
-        <p:nvPicPr>
-          <p:cNvPr id="4" name="Picture 3"/>
-          <p:cNvPicPr>
-            <a:picLocks noChangeAspect="1"/>
-          </p:cNvPicPr>
-          <p:nvPr/>
-        </p:nvPicPr>
-        <p:blipFill>
-          <a:blip r:embed="rId2"/>
-          <a:stretch>
-            <a:fillRect/>
-          </a:stretch>
-        </p:blipFill>
-        <p:spPr>
-          <a:xfrm>
-            <a:off x="3767056" y="870820"/>
-            <a:ext cx="7656681" cy="5548769"/>
-          </a:xfrm>
-          <a:prstGeom prst="rect">
-            <a:avLst/>
-          </a:prstGeom>
-        </p:spPr>
-      </p:pic>
-      <p:sp>
-        <p:nvSpPr>
-          <p:cNvPr id="5" name="TextBox 4"/>
-          <p:cNvSpPr txBox="1"/>
-          <p:nvPr/>
-        </p:nvSpPr>
-        <p:spPr>
-          <a:xfrm>
-            <a:off x="375781" y="2943616"/>
-            <a:ext cx="2403954" cy="923330"/>
-          </a:xfrm>
-          <a:prstGeom prst="rect">
-            <a:avLst/>
-          </a:prstGeom>
-          <a:noFill/>
-        </p:spPr>
-        <p:txBody>
-          <a:bodyPr wrap="square" rtlCol="0">
-            <a:spAutoFit/>
-          </a:bodyPr>
-          <a:lstStyle/>
-          <a:p>
-            <a:r>
-              <a:rPr lang="en-US" dirty="0"/>
-              <a:t>Migrate content from app.component.html here</a:t>
-            </a:r>
-          </a:p>
-        </p:txBody>
-      </p:sp>
-      <p:sp>
-        <p:nvSpPr>
-          <p:cNvPr id="6" name="Right Arrow 5"/>
-          <p:cNvSpPr/>
-          <p:nvPr/>
-        </p:nvSpPr>
-        <p:spPr>
-          <a:xfrm>
-            <a:off x="2617940" y="3042026"/>
-            <a:ext cx="1027134" cy="363255"/>
-          </a:xfrm>
-          <a:prstGeom prst="rightArrow">
-            <a:avLst/>
-          </a:prstGeom>
-        </p:spPr>
-        <p:style>
-          <a:lnRef idx="2">
-            <a:schemeClr val="accent1">
-              <a:shade val="50000"/>
-            </a:schemeClr>
-          </a:lnRef>
-          <a:fillRef idx="1">
-            <a:schemeClr val="accent1"/>
-          </a:fillRef>
-          <a:effectRef idx="0">
-            <a:schemeClr val="accent1"/>
-          </a:effectRef>
-          <a:fontRef idx="minor">
-            <a:schemeClr val="lt1"/>
-          </a:fontRef>
-        </p:style>
-        <p:txBody>
-          <a:bodyPr rtlCol="0" anchor="ctr"/>
-          <a:lstStyle/>
-          <a:p>
-            <a:pPr algn="ctr"/>
-            <a:endParaRPr lang="en-US"/>
-          </a:p>
-        </p:txBody>
-      </p:sp>
-      <p:sp>
-        <p:nvSpPr>
-          <p:cNvPr id="7" name="Footer Placeholder 1"/>
-          <p:cNvSpPr>
-            <a:spLocks noGrp="1"/>
-          </p:cNvSpPr>
-          <p:nvPr>
-            <p:ph type="ftr" sz="quarter" idx="11"/>
-          </p:nvPr>
-        </p:nvSpPr>
-        <p:spPr>
-          <a:xfrm>
-            <a:off x="194826" y="6424247"/>
-            <a:ext cx="1371600" cy="228600"/>
-          </a:xfrm>
-        </p:spPr>
-        <p:txBody>
-          <a:bodyPr/>
-          <a:lstStyle/>
-          <a:p>
-            <a:r>
-              <a:rPr lang="en-US"/>
-              <a:t>© Cognizant 2019</a:t>
-            </a:r>
-            <a:endParaRPr lang="en-US" dirty="0"/>
-          </a:p>
-        </p:txBody>
-      </p:sp>
-      <p:sp>
-        <p:nvSpPr>
-          <p:cNvPr id="3" name="Slide Number Placeholder 2">
-            <a:extLst>
-              <a:ext uri="{FF2B5EF4-FFF2-40B4-BE49-F238E27FC236}">
-                <a16:creationId xmlns:a16="http://schemas.microsoft.com/office/drawing/2014/main" id="{9741F058-D431-4E41-9E20-A96C64BFFA82}"/>
-              </a:ext>
-            </a:extLst>
-          </p:cNvPr>
-          <p:cNvSpPr>
-            <a:spLocks noGrp="1"/>
-          </p:cNvSpPr>
-          <p:nvPr>
-            <p:ph type="sldNum" sz="quarter" idx="12"/>
-          </p:nvPr>
-        </p:nvSpPr>
-        <p:spPr/>
-        <p:txBody>
-          <a:bodyPr/>
-          <a:lstStyle/>
-          <a:p>
-            <a:fld id="{E78F02F3-22D8-47E7-88DF-DE854B750366}" type="slidenum">
-              <a:rPr lang="en-US" smtClean="0"/>
-              <a:t>19</a:t>
-            </a:fld>
-            <a:endParaRPr lang="en-US"/>
-          </a:p>
-        </p:txBody>
-      </p:sp>
-    </p:spTree>
-    <p:extLst>
-      <p:ext uri="{BB962C8B-B14F-4D97-AF65-F5344CB8AC3E}">
-        <p14:creationId xmlns:p14="http://schemas.microsoft.com/office/powerpoint/2010/main" val="1668372707"/>
-      </p:ext>
-    </p:extLst>
-  </p:cSld>
-  <p:clrMapOvr>
-    <a:masterClrMapping/>
-  </p:clrMapOvr>
-</p:sld>
-</file>
-
 <file path=ppt/slides/slide2.xml><?xml version="1.0" encoding="utf-8"?>
 <p:sld xmlns:a="http://schemas.openxmlformats.org/drawingml/2006/main" xmlns:r="http://schemas.openxmlformats.org/officeDocument/2006/relationships" xmlns:p="http://schemas.openxmlformats.org/presentationml/2006/main">
   <p:cSld>
@@ -8569,11 +8478,35 @@
           <a:p>
             <a:r>
               <a:rPr lang="en-US" dirty="0"/>
-              <a:t>HelloAngular HomeComponent</a:t>
-            </a:r>
-          </a:p>
-        </p:txBody>
-      </p:sp>
+              <a:t>HelloAngular home.component.html</a:t>
+            </a:r>
+          </a:p>
+        </p:txBody>
+      </p:sp>
+      <p:pic>
+        <p:nvPicPr>
+          <p:cNvPr id="4" name="Picture 3"/>
+          <p:cNvPicPr>
+            <a:picLocks noChangeAspect="1"/>
+          </p:cNvPicPr>
+          <p:nvPr/>
+        </p:nvPicPr>
+        <p:blipFill>
+          <a:blip r:embed="rId2"/>
+          <a:stretch>
+            <a:fillRect/>
+          </a:stretch>
+        </p:blipFill>
+        <p:spPr>
+          <a:xfrm>
+            <a:off x="3767056" y="870820"/>
+            <a:ext cx="7656681" cy="5548769"/>
+          </a:xfrm>
+          <a:prstGeom prst="rect">
+            <a:avLst/>
+          </a:prstGeom>
+        </p:spPr>
+      </p:pic>
       <p:sp>
         <p:nvSpPr>
           <p:cNvPr id="5" name="TextBox 4"/>
@@ -8582,8 +8515,8 @@
         </p:nvSpPr>
         <p:spPr>
           <a:xfrm>
-            <a:off x="597725" y="2898319"/>
-            <a:ext cx="3093929" cy="1754326"/>
+            <a:off x="375781" y="2943616"/>
+            <a:ext cx="2403954" cy="923330"/>
           </a:xfrm>
           <a:prstGeom prst="rect">
             <a:avLst/>
@@ -8598,16 +8531,7 @@
           <a:p>
             <a:r>
               <a:rPr lang="en-US" dirty="0"/>
-              <a:t>Migrate content from AppComponent </a:t>
-            </a:r>
-          </a:p>
-          <a:p>
-            <a:endParaRPr lang="en-US" dirty="0"/>
-          </a:p>
-          <a:p>
-            <a:r>
-              <a:rPr lang="en-US" dirty="0"/>
-              <a:t>(just the class properties and methods not the @Component stuff)</a:t>
+              <a:t>Migrate content from app.component.html here</a:t>
             </a:r>
           </a:p>
         </p:txBody>
@@ -8620,7 +8544,7 @@
         </p:nvSpPr>
         <p:spPr>
           <a:xfrm>
-            <a:off x="3691654" y="3230600"/>
+            <a:off x="2617940" y="3042026"/>
             <a:ext cx="1027134" cy="363255"/>
           </a:xfrm>
           <a:prstGeom prst="rightArrow">
@@ -8652,30 +8576,6 @@
           </a:p>
         </p:txBody>
       </p:sp>
-      <p:pic>
-        <p:nvPicPr>
-          <p:cNvPr id="3" name="Picture 2"/>
-          <p:cNvPicPr>
-            <a:picLocks noChangeAspect="1"/>
-          </p:cNvPicPr>
-          <p:nvPr/>
-        </p:nvPicPr>
-        <p:blipFill>
-          <a:blip r:embed="rId2"/>
-          <a:stretch>
-            <a:fillRect/>
-          </a:stretch>
-        </p:blipFill>
-        <p:spPr>
-          <a:xfrm>
-            <a:off x="5164246" y="730779"/>
-            <a:ext cx="6384751" cy="5726152"/>
-          </a:xfrm>
-          <a:prstGeom prst="rect">
-            <a:avLst/>
-          </a:prstGeom>
-        </p:spPr>
-      </p:pic>
       <p:sp>
         <p:nvSpPr>
           <p:cNvPr id="7" name="Footer Placeholder 1"/>
@@ -8706,10 +8606,10 @@
       </p:sp>
       <p:sp>
         <p:nvSpPr>
-          <p:cNvPr id="4" name="Slide Number Placeholder 3">
+          <p:cNvPr id="3" name="Slide Number Placeholder 2">
             <a:extLst>
               <a:ext uri="{FF2B5EF4-FFF2-40B4-BE49-F238E27FC236}">
-                <a16:creationId xmlns:a16="http://schemas.microsoft.com/office/drawing/2014/main" id="{6E2B3048-7E56-487F-8C84-665ACD3C5B9E}"/>
+                <a16:creationId xmlns:a16="http://schemas.microsoft.com/office/drawing/2014/main" id="{9741F058-D431-4E41-9E20-A96C64BFFA82}"/>
               </a:ext>
             </a:extLst>
           </p:cNvPr>
@@ -8736,7 +8636,7 @@
     </p:spTree>
     <p:extLst>
       <p:ext uri="{BB962C8B-B14F-4D97-AF65-F5344CB8AC3E}">
-        <p14:creationId xmlns:p14="http://schemas.microsoft.com/office/powerpoint/2010/main" val="1883454954"/>
+        <p14:creationId xmlns:p14="http://schemas.microsoft.com/office/powerpoint/2010/main" val="1668372707"/>
       </p:ext>
     </p:extLst>
   </p:cSld>
@@ -8775,8 +8675,8 @@
         </p:nvSpPr>
         <p:spPr>
           <a:xfrm>
-            <a:off x="3022600" y="-168274"/>
-            <a:ext cx="5190067" cy="989542"/>
+            <a:off x="3017728" y="-297657"/>
+            <a:ext cx="8644003" cy="1325563"/>
           </a:xfrm>
         </p:spPr>
         <p:txBody>
@@ -8785,130 +8685,63 @@
           <a:p>
             <a:r>
               <a:rPr lang="en-US" dirty="0"/>
-              <a:t>App Routing Module</a:t>
-            </a:r>
-          </a:p>
-        </p:txBody>
-      </p:sp>
-      <p:sp>
-        <p:nvSpPr>
-          <p:cNvPr id="6" name="Rectangle 5"/>
-          <p:cNvSpPr/>
+              <a:t>HelloAngular HomeComponent</a:t>
+            </a:r>
+          </a:p>
+        </p:txBody>
+      </p:sp>
+      <p:sp>
+        <p:nvSpPr>
+          <p:cNvPr id="5" name="TextBox 4"/>
+          <p:cNvSpPr txBox="1"/>
           <p:nvPr/>
         </p:nvSpPr>
         <p:spPr>
           <a:xfrm>
-            <a:off x="748609" y="1620121"/>
-            <a:ext cx="11268982" cy="3323987"/>
+            <a:off x="597725" y="2898319"/>
+            <a:ext cx="3093929" cy="1754326"/>
           </a:xfrm>
           <a:prstGeom prst="rect">
             <a:avLst/>
           </a:prstGeom>
-        </p:spPr>
-        <p:txBody>
-          <a:bodyPr wrap="none">
+          <a:noFill/>
+        </p:spPr>
+        <p:txBody>
+          <a:bodyPr wrap="square" rtlCol="0">
             <a:spAutoFit/>
           </a:bodyPr>
           <a:lstStyle/>
           <a:p>
-            <a:pPr marL="285750" indent="-285750">
-              <a:buFont typeface="Arial" panose="020B0604020202020204" pitchFamily="34" charset="0"/>
-              <a:buChar char="•"/>
-            </a:pPr>
-            <a:r>
-              <a:rPr lang="en-US" sz="2400" dirty="0"/>
-              <a:t>You can add routing after the fact</a:t>
-            </a:r>
-          </a:p>
-          <a:p>
-            <a:pPr marL="742950" lvl="1" indent="-285750">
-              <a:buFont typeface="Arial" panose="020B0604020202020204" pitchFamily="34" charset="0"/>
-              <a:buChar char="•"/>
-            </a:pPr>
-            <a:r>
-              <a:rPr lang="en-US" sz="2400" dirty="0"/>
-              <a:t>Angular best practice is to create a separate, top-level module dedicated to routing</a:t>
-            </a:r>
-          </a:p>
-          <a:p>
-            <a:pPr marL="742950" lvl="1" indent="-285750">
-              <a:buFont typeface="Arial" panose="020B0604020202020204" pitchFamily="34" charset="0"/>
-              <a:buChar char="•"/>
-            </a:pPr>
-            <a:endParaRPr lang="en-US" sz="2400" dirty="0"/>
-          </a:p>
-          <a:p>
-            <a:pPr marL="742950" lvl="1" indent="-285750">
-              <a:buFont typeface="Arial" panose="020B0604020202020204" pitchFamily="34" charset="0"/>
-              <a:buChar char="•"/>
-            </a:pPr>
-            <a:endParaRPr lang="en-US" sz="2400" dirty="0"/>
-          </a:p>
-          <a:p>
-            <a:pPr marL="742950" lvl="1" indent="-285750">
-              <a:buFont typeface="Arial" panose="020B0604020202020204" pitchFamily="34" charset="0"/>
-              <a:buChar char="•"/>
-            </a:pPr>
-            <a:endParaRPr lang="en-US" sz="2400" dirty="0"/>
-          </a:p>
-          <a:p>
-            <a:pPr marL="742950" lvl="1" indent="-285750">
-              <a:buFont typeface="Arial" panose="020B0604020202020204" pitchFamily="34" charset="0"/>
-              <a:buChar char="•"/>
-            </a:pPr>
-            <a:endParaRPr lang="en-US" sz="2400" dirty="0"/>
-          </a:p>
-          <a:p>
-            <a:pPr marL="742950" lvl="1" indent="-285750">
-              <a:buFont typeface="Arial" panose="020B0604020202020204" pitchFamily="34" charset="0"/>
-              <a:buChar char="•"/>
-            </a:pPr>
-            <a:r>
-              <a:rPr lang="en-US" sz="2400" dirty="0"/>
-              <a:t>- - flat flag will place the module in the top level</a:t>
-            </a:r>
-          </a:p>
-          <a:p>
-            <a:pPr marL="742950" lvl="1" indent="-285750">
-              <a:buFont typeface="Arial" panose="020B0604020202020204" pitchFamily="34" charset="0"/>
-              <a:buChar char="•"/>
-            </a:pPr>
-            <a:r>
-              <a:rPr lang="en-US" sz="2400" dirty="0"/>
-              <a:t>- - module=app will add the import for app-routing inside of </a:t>
-            </a:r>
-            <a:r>
-              <a:rPr lang="en-US" sz="2400" dirty="0" err="1"/>
-              <a:t>AppModule</a:t>
-            </a:r>
-            <a:endParaRPr lang="en-US" sz="2400" dirty="0"/>
-          </a:p>
-          <a:p>
-            <a:pPr lvl="1"/>
+            <a:r>
+              <a:rPr lang="en-US" dirty="0"/>
+              <a:t>Migrate content from AppComponent </a:t>
+            </a:r>
+          </a:p>
+          <a:p>
             <a:endParaRPr lang="en-US" dirty="0"/>
           </a:p>
-        </p:txBody>
-      </p:sp>
-      <p:sp>
-        <p:nvSpPr>
-          <p:cNvPr id="7" name="Rectangle 6"/>
+          <a:p>
+            <a:r>
+              <a:rPr lang="en-US" dirty="0"/>
+              <a:t>(just the class properties and methods not the @Component stuff)</a:t>
+            </a:r>
+          </a:p>
+        </p:txBody>
+      </p:sp>
+      <p:sp>
+        <p:nvSpPr>
+          <p:cNvPr id="6" name="Right Arrow 5"/>
           <p:cNvSpPr/>
           <p:nvPr/>
         </p:nvSpPr>
         <p:spPr>
           <a:xfrm>
-            <a:off x="2303709" y="2820699"/>
-            <a:ext cx="7559494" cy="707645"/>
-          </a:xfrm>
-          <a:prstGeom prst="rect">
+            <a:off x="3691654" y="3230600"/>
+            <a:ext cx="1027134" cy="363255"/>
+          </a:xfrm>
+          <a:prstGeom prst="rightArrow">
             <a:avLst/>
           </a:prstGeom>
-          <a:solidFill>
-            <a:schemeClr val="tx1"/>
-          </a:solidFill>
-          <a:ln>
-            <a:noFill/>
-          </a:ln>
         </p:spPr>
         <p:style>
           <a:lnRef idx="2">
@@ -8930,6 +8763,289 @@
           <a:bodyPr rtlCol="0" anchor="ctr"/>
           <a:lstStyle/>
           <a:p>
+            <a:pPr algn="ctr"/>
+            <a:endParaRPr lang="en-US"/>
+          </a:p>
+        </p:txBody>
+      </p:sp>
+      <p:pic>
+        <p:nvPicPr>
+          <p:cNvPr id="3" name="Picture 2"/>
+          <p:cNvPicPr>
+            <a:picLocks noChangeAspect="1"/>
+          </p:cNvPicPr>
+          <p:nvPr/>
+        </p:nvPicPr>
+        <p:blipFill>
+          <a:blip r:embed="rId2"/>
+          <a:stretch>
+            <a:fillRect/>
+          </a:stretch>
+        </p:blipFill>
+        <p:spPr>
+          <a:xfrm>
+            <a:off x="5164246" y="730779"/>
+            <a:ext cx="6384751" cy="5726152"/>
+          </a:xfrm>
+          <a:prstGeom prst="rect">
+            <a:avLst/>
+          </a:prstGeom>
+        </p:spPr>
+      </p:pic>
+      <p:sp>
+        <p:nvSpPr>
+          <p:cNvPr id="7" name="Footer Placeholder 1"/>
+          <p:cNvSpPr>
+            <a:spLocks noGrp="1"/>
+          </p:cNvSpPr>
+          <p:nvPr>
+            <p:ph type="ftr" sz="quarter" idx="11"/>
+          </p:nvPr>
+        </p:nvSpPr>
+        <p:spPr>
+          <a:xfrm>
+            <a:off x="194826" y="6424247"/>
+            <a:ext cx="1371600" cy="228600"/>
+          </a:xfrm>
+        </p:spPr>
+        <p:txBody>
+          <a:bodyPr/>
+          <a:lstStyle/>
+          <a:p>
+            <a:r>
+              <a:rPr lang="en-US"/>
+              <a:t>© Cognizant 2019</a:t>
+            </a:r>
+            <a:endParaRPr lang="en-US" dirty="0"/>
+          </a:p>
+        </p:txBody>
+      </p:sp>
+      <p:sp>
+        <p:nvSpPr>
+          <p:cNvPr id="4" name="Slide Number Placeholder 3">
+            <a:extLst>
+              <a:ext uri="{FF2B5EF4-FFF2-40B4-BE49-F238E27FC236}">
+                <a16:creationId xmlns:a16="http://schemas.microsoft.com/office/drawing/2014/main" id="{6E2B3048-7E56-487F-8C84-665ACD3C5B9E}"/>
+              </a:ext>
+            </a:extLst>
+          </p:cNvPr>
+          <p:cNvSpPr>
+            <a:spLocks noGrp="1"/>
+          </p:cNvSpPr>
+          <p:nvPr>
+            <p:ph type="sldNum" sz="quarter" idx="12"/>
+          </p:nvPr>
+        </p:nvSpPr>
+        <p:spPr/>
+        <p:txBody>
+          <a:bodyPr/>
+          <a:lstStyle/>
+          <a:p>
+            <a:fld id="{E78F02F3-22D8-47E7-88DF-DE854B750366}" type="slidenum">
+              <a:rPr lang="en-US" smtClean="0"/>
+              <a:t>21</a:t>
+            </a:fld>
+            <a:endParaRPr lang="en-US"/>
+          </a:p>
+        </p:txBody>
+      </p:sp>
+    </p:spTree>
+    <p:extLst>
+      <p:ext uri="{BB962C8B-B14F-4D97-AF65-F5344CB8AC3E}">
+        <p14:creationId xmlns:p14="http://schemas.microsoft.com/office/powerpoint/2010/main" val="1883454954"/>
+      </p:ext>
+    </p:extLst>
+  </p:cSld>
+  <p:clrMapOvr>
+    <a:masterClrMapping/>
+  </p:clrMapOvr>
+</p:sld>
+</file>
+
+<file path=ppt/slides/slide22.xml><?xml version="1.0" encoding="utf-8"?>
+<p:sld xmlns:a="http://schemas.openxmlformats.org/drawingml/2006/main" xmlns:r="http://schemas.openxmlformats.org/officeDocument/2006/relationships" xmlns:p="http://schemas.openxmlformats.org/presentationml/2006/main">
+  <p:cSld>
+    <p:spTree>
+      <p:nvGrpSpPr>
+        <p:cNvPr id="1" name=""/>
+        <p:cNvGrpSpPr/>
+        <p:nvPr/>
+      </p:nvGrpSpPr>
+      <p:grpSpPr>
+        <a:xfrm>
+          <a:off x="0" y="0"/>
+          <a:ext cx="0" cy="0"/>
+          <a:chOff x="0" y="0"/>
+          <a:chExt cx="0" cy="0"/>
+        </a:xfrm>
+      </p:grpSpPr>
+      <p:sp>
+        <p:nvSpPr>
+          <p:cNvPr id="2" name="Title 1"/>
+          <p:cNvSpPr>
+            <a:spLocks noGrp="1"/>
+          </p:cNvSpPr>
+          <p:nvPr>
+            <p:ph type="title"/>
+          </p:nvPr>
+        </p:nvSpPr>
+        <p:spPr>
+          <a:xfrm>
+            <a:off x="3022600" y="-168274"/>
+            <a:ext cx="5190067" cy="989542"/>
+          </a:xfrm>
+        </p:spPr>
+        <p:txBody>
+          <a:bodyPr/>
+          <a:lstStyle/>
+          <a:p>
+            <a:r>
+              <a:rPr lang="en-US" dirty="0"/>
+              <a:t>App Routing Module</a:t>
+            </a:r>
+          </a:p>
+        </p:txBody>
+      </p:sp>
+      <p:sp>
+        <p:nvSpPr>
+          <p:cNvPr id="6" name="Rectangle 5"/>
+          <p:cNvSpPr/>
+          <p:nvPr/>
+        </p:nvSpPr>
+        <p:spPr>
+          <a:xfrm>
+            <a:off x="748609" y="1620121"/>
+            <a:ext cx="11268982" cy="3323987"/>
+          </a:xfrm>
+          <a:prstGeom prst="rect">
+            <a:avLst/>
+          </a:prstGeom>
+        </p:spPr>
+        <p:txBody>
+          <a:bodyPr wrap="none">
+            <a:spAutoFit/>
+          </a:bodyPr>
+          <a:lstStyle/>
+          <a:p>
+            <a:pPr marL="285750" indent="-285750">
+              <a:buFont typeface="Arial" panose="020B0604020202020204" pitchFamily="34" charset="0"/>
+              <a:buChar char="•"/>
+            </a:pPr>
+            <a:r>
+              <a:rPr lang="en-US" sz="2400" dirty="0"/>
+              <a:t>You can add routing after the fact</a:t>
+            </a:r>
+          </a:p>
+          <a:p>
+            <a:pPr marL="742950" lvl="1" indent="-285750">
+              <a:buFont typeface="Arial" panose="020B0604020202020204" pitchFamily="34" charset="0"/>
+              <a:buChar char="•"/>
+            </a:pPr>
+            <a:r>
+              <a:rPr lang="en-US" sz="2400" dirty="0"/>
+              <a:t>Angular best practice is to create a separate, top-level module dedicated to routing</a:t>
+            </a:r>
+          </a:p>
+          <a:p>
+            <a:pPr marL="742950" lvl="1" indent="-285750">
+              <a:buFont typeface="Arial" panose="020B0604020202020204" pitchFamily="34" charset="0"/>
+              <a:buChar char="•"/>
+            </a:pPr>
+            <a:endParaRPr lang="en-US" sz="2400" dirty="0"/>
+          </a:p>
+          <a:p>
+            <a:pPr marL="742950" lvl="1" indent="-285750">
+              <a:buFont typeface="Arial" panose="020B0604020202020204" pitchFamily="34" charset="0"/>
+              <a:buChar char="•"/>
+            </a:pPr>
+            <a:endParaRPr lang="en-US" sz="2400" dirty="0"/>
+          </a:p>
+          <a:p>
+            <a:pPr marL="742950" lvl="1" indent="-285750">
+              <a:buFont typeface="Arial" panose="020B0604020202020204" pitchFamily="34" charset="0"/>
+              <a:buChar char="•"/>
+            </a:pPr>
+            <a:endParaRPr lang="en-US" sz="2400" dirty="0"/>
+          </a:p>
+          <a:p>
+            <a:pPr marL="742950" lvl="1" indent="-285750">
+              <a:buFont typeface="Arial" panose="020B0604020202020204" pitchFamily="34" charset="0"/>
+              <a:buChar char="•"/>
+            </a:pPr>
+            <a:endParaRPr lang="en-US" sz="2400" dirty="0"/>
+          </a:p>
+          <a:p>
+            <a:pPr marL="742950" lvl="1" indent="-285750">
+              <a:buFont typeface="Arial" panose="020B0604020202020204" pitchFamily="34" charset="0"/>
+              <a:buChar char="•"/>
+            </a:pPr>
+            <a:r>
+              <a:rPr lang="en-US" sz="2400" dirty="0"/>
+              <a:t>- - flat flag will place the module in the top level</a:t>
+            </a:r>
+          </a:p>
+          <a:p>
+            <a:pPr marL="742950" lvl="1" indent="-285750">
+              <a:buFont typeface="Arial" panose="020B0604020202020204" pitchFamily="34" charset="0"/>
+              <a:buChar char="•"/>
+            </a:pPr>
+            <a:r>
+              <a:rPr lang="en-US" sz="2400" dirty="0"/>
+              <a:t>- - module=app will add the import for app-routing inside of </a:t>
+            </a:r>
+            <a:r>
+              <a:rPr lang="en-US" sz="2400" dirty="0" err="1"/>
+              <a:t>AppModule</a:t>
+            </a:r>
+            <a:endParaRPr lang="en-US" sz="2400" dirty="0"/>
+          </a:p>
+          <a:p>
+            <a:pPr lvl="1"/>
+            <a:endParaRPr lang="en-US" dirty="0"/>
+          </a:p>
+        </p:txBody>
+      </p:sp>
+      <p:sp>
+        <p:nvSpPr>
+          <p:cNvPr id="7" name="Rectangle 6"/>
+          <p:cNvSpPr/>
+          <p:nvPr/>
+        </p:nvSpPr>
+        <p:spPr>
+          <a:xfrm>
+            <a:off x="2303709" y="2820699"/>
+            <a:ext cx="7559494" cy="707645"/>
+          </a:xfrm>
+          <a:prstGeom prst="rect">
+            <a:avLst/>
+          </a:prstGeom>
+          <a:solidFill>
+            <a:schemeClr val="tx1"/>
+          </a:solidFill>
+          <a:ln>
+            <a:noFill/>
+          </a:ln>
+        </p:spPr>
+        <p:style>
+          <a:lnRef idx="2">
+            <a:schemeClr val="accent1">
+              <a:shade val="50000"/>
+            </a:schemeClr>
+          </a:lnRef>
+          <a:fillRef idx="1">
+            <a:schemeClr val="accent1"/>
+          </a:fillRef>
+          <a:effectRef idx="0">
+            <a:schemeClr val="accent1"/>
+          </a:effectRef>
+          <a:fontRef idx="minor">
+            <a:schemeClr val="lt1"/>
+          </a:fontRef>
+        </p:style>
+        <p:txBody>
+          <a:bodyPr rtlCol="0" anchor="ctr"/>
+          <a:lstStyle/>
+          <a:p>
             <a:r>
               <a:rPr lang="en-US" dirty="0">
                 <a:solidFill>
@@ -8994,7 +9110,7 @@
           <a:p>
             <a:fld id="{E78F02F3-22D8-47E7-88DF-DE854B750366}" type="slidenum">
               <a:rPr lang="en-US" smtClean="0"/>
-              <a:t>21</a:t>
+              <a:t>22</a:t>
             </a:fld>
             <a:endParaRPr lang="en-US"/>
           </a:p>
@@ -9013,7 +9129,7 @@
 </p:sld>
 </file>
 
-<file path=ppt/slides/slide22.xml><?xml version="1.0" encoding="utf-8"?>
+<file path=ppt/slides/slide23.xml><?xml version="1.0" encoding="utf-8"?>
 <p:sld xmlns:a="http://schemas.openxmlformats.org/drawingml/2006/main" xmlns:r="http://schemas.openxmlformats.org/officeDocument/2006/relationships" xmlns:p="http://schemas.openxmlformats.org/presentationml/2006/main">
   <p:cSld>
     <p:spTree>
@@ -9387,7 +9503,7 @@
           <a:p>
             <a:fld id="{E78F02F3-22D8-47E7-88DF-DE854B750366}" type="slidenum">
               <a:rPr lang="en-US" smtClean="0"/>
-              <a:t>22</a:t>
+              <a:t>23</a:t>
             </a:fld>
             <a:endParaRPr lang="en-US"/>
           </a:p>
@@ -9866,7 +9982,7 @@
 </p:sld>
 </file>
 
-<file path=ppt/slides/slide23.xml><?xml version="1.0" encoding="utf-8"?>
+<file path=ppt/slides/slide24.xml><?xml version="1.0" encoding="utf-8"?>
 <p:sld xmlns:a="http://schemas.openxmlformats.org/drawingml/2006/main" xmlns:r="http://schemas.openxmlformats.org/officeDocument/2006/relationships" xmlns:p="http://schemas.openxmlformats.org/presentationml/2006/main">
   <p:cSld>
     <p:spTree>
@@ -10515,7 +10631,7 @@
           <a:p>
             <a:fld id="{E78F02F3-22D8-47E7-88DF-DE854B750366}" type="slidenum">
               <a:rPr lang="en-US" smtClean="0"/>
-              <a:t>23</a:t>
+              <a:t>24</a:t>
             </a:fld>
             <a:endParaRPr lang="en-US"/>
           </a:p>
@@ -10534,7 +10650,7 @@
 </p:sld>
 </file>
 
-<file path=ppt/slides/slide24.xml><?xml version="1.0" encoding="utf-8"?>
+<file path=ppt/slides/slide25.xml><?xml version="1.0" encoding="utf-8"?>
 <p:sld xmlns:a="http://schemas.openxmlformats.org/drawingml/2006/main" xmlns:r="http://schemas.openxmlformats.org/officeDocument/2006/relationships" xmlns:p="http://schemas.openxmlformats.org/presentationml/2006/main">
   <p:cSld>
     <p:spTree>
@@ -10658,7 +10774,7 @@
           <a:p>
             <a:fld id="{E78F02F3-22D8-47E7-88DF-DE854B750366}" type="slidenum">
               <a:rPr lang="en-US" smtClean="0"/>
-              <a:t>24</a:t>
+              <a:t>25</a:t>
             </a:fld>
             <a:endParaRPr lang="en-US"/>
           </a:p>
@@ -10677,7 +10793,7 @@
 </p:sld>
 </file>
 
-<file path=ppt/slides/slide25.xml><?xml version="1.0" encoding="utf-8"?>
+<file path=ppt/slides/slide26.xml><?xml version="1.0" encoding="utf-8"?>
 <p:sld xmlns:a="http://schemas.openxmlformats.org/drawingml/2006/main" xmlns:r="http://schemas.openxmlformats.org/officeDocument/2006/relationships" xmlns:p="http://schemas.openxmlformats.org/presentationml/2006/main">
   <p:cSld>
     <p:spTree>
@@ -11070,7 +11186,7 @@
           <a:p>
             <a:fld id="{E78F02F3-22D8-47E7-88DF-DE854B750366}" type="slidenum">
               <a:rPr lang="en-US" smtClean="0"/>
-              <a:t>25</a:t>
+              <a:t>26</a:t>
             </a:fld>
             <a:endParaRPr lang="en-US"/>
           </a:p>
@@ -11089,7 +11205,7 @@
 </p:sld>
 </file>
 
-<file path=ppt/slides/slide26.xml><?xml version="1.0" encoding="utf-8"?>
+<file path=ppt/slides/slide27.xml><?xml version="1.0" encoding="utf-8"?>
 <p:sld xmlns:a="http://schemas.openxmlformats.org/drawingml/2006/main" xmlns:r="http://schemas.openxmlformats.org/officeDocument/2006/relationships" xmlns:p="http://schemas.openxmlformats.org/presentationml/2006/main">
   <p:cSld>
     <p:spTree>
@@ -11350,7 +11466,7 @@
           <a:p>
             <a:fld id="{E78F02F3-22D8-47E7-88DF-DE854B750366}" type="slidenum">
               <a:rPr lang="en-US" smtClean="0"/>
-              <a:t>26</a:t>
+              <a:t>27</a:t>
             </a:fld>
             <a:endParaRPr lang="en-US"/>
           </a:p>
@@ -11360,168 +11476,6 @@
     <p:extLst>
       <p:ext uri="{BB962C8B-B14F-4D97-AF65-F5344CB8AC3E}">
         <p14:creationId xmlns:p14="http://schemas.microsoft.com/office/powerpoint/2010/main" val="1538800076"/>
-      </p:ext>
-    </p:extLst>
-  </p:cSld>
-  <p:clrMapOvr>
-    <a:masterClrMapping/>
-  </p:clrMapOvr>
-</p:sld>
-</file>
-
-<file path=ppt/slides/slide27.xml><?xml version="1.0" encoding="utf-8"?>
-<p:sld xmlns:a="http://schemas.openxmlformats.org/drawingml/2006/main" xmlns:r="http://schemas.openxmlformats.org/officeDocument/2006/relationships" xmlns:p="http://schemas.openxmlformats.org/presentationml/2006/main">
-  <p:cSld>
-    <p:spTree>
-      <p:nvGrpSpPr>
-        <p:cNvPr id="1" name=""/>
-        <p:cNvGrpSpPr/>
-        <p:nvPr/>
-      </p:nvGrpSpPr>
-      <p:grpSpPr>
-        <a:xfrm>
-          <a:off x="0" y="0"/>
-          <a:ext cx="0" cy="0"/>
-          <a:chOff x="0" y="0"/>
-          <a:chExt cx="0" cy="0"/>
-        </a:xfrm>
-      </p:grpSpPr>
-      <p:sp>
-        <p:nvSpPr>
-          <p:cNvPr id="3" name="Title 2"/>
-          <p:cNvSpPr>
-            <a:spLocks noGrp="1"/>
-          </p:cNvSpPr>
-          <p:nvPr>
-            <p:ph type="title"/>
-          </p:nvPr>
-        </p:nvSpPr>
-        <p:spPr>
-          <a:xfrm>
-            <a:off x="3048000" y="-370166"/>
-            <a:ext cx="10515600" cy="1325563"/>
-          </a:xfrm>
-        </p:spPr>
-        <p:txBody>
-          <a:bodyPr/>
-          <a:lstStyle/>
-          <a:p>
-            <a:r>
-              <a:rPr lang="en-US" dirty="0"/>
-              <a:t>Routes in Action</a:t>
-            </a:r>
-          </a:p>
-        </p:txBody>
-      </p:sp>
-      <p:sp>
-        <p:nvSpPr>
-          <p:cNvPr id="7" name="Footer Placeholder 1"/>
-          <p:cNvSpPr>
-            <a:spLocks noGrp="1"/>
-          </p:cNvSpPr>
-          <p:nvPr>
-            <p:ph type="ftr" sz="quarter" idx="11"/>
-          </p:nvPr>
-        </p:nvSpPr>
-        <p:spPr>
-          <a:xfrm>
-            <a:off x="89318" y="6494584"/>
-            <a:ext cx="1371600" cy="228600"/>
-          </a:xfrm>
-        </p:spPr>
-        <p:txBody>
-          <a:bodyPr/>
-          <a:lstStyle/>
-          <a:p>
-            <a:r>
-              <a:rPr lang="en-US"/>
-              <a:t>© Cognizant 2019</a:t>
-            </a:r>
-            <a:endParaRPr lang="en-US" dirty="0"/>
-          </a:p>
-        </p:txBody>
-      </p:sp>
-      <p:pic>
-        <p:nvPicPr>
-          <p:cNvPr id="2" name="Picture 1"/>
-          <p:cNvPicPr>
-            <a:picLocks noChangeAspect="1"/>
-          </p:cNvPicPr>
-          <p:nvPr/>
-        </p:nvPicPr>
-        <p:blipFill>
-          <a:blip r:embed="rId3"/>
-          <a:stretch>
-            <a:fillRect/>
-          </a:stretch>
-        </p:blipFill>
-        <p:spPr>
-          <a:xfrm>
-            <a:off x="522570" y="1399380"/>
-            <a:ext cx="5296418" cy="4245355"/>
-          </a:xfrm>
-          <a:prstGeom prst="rect">
-            <a:avLst/>
-          </a:prstGeom>
-        </p:spPr>
-      </p:pic>
-      <p:pic>
-        <p:nvPicPr>
-          <p:cNvPr id="8" name="Picture 7"/>
-          <p:cNvPicPr>
-            <a:picLocks noChangeAspect="1"/>
-          </p:cNvPicPr>
-          <p:nvPr/>
-        </p:nvPicPr>
-        <p:blipFill>
-          <a:blip r:embed="rId4"/>
-          <a:stretch>
-            <a:fillRect/>
-          </a:stretch>
-        </p:blipFill>
-        <p:spPr>
-          <a:xfrm>
-            <a:off x="6292046" y="1399379"/>
-            <a:ext cx="5285034" cy="4245355"/>
-          </a:xfrm>
-          <a:prstGeom prst="rect">
-            <a:avLst/>
-          </a:prstGeom>
-        </p:spPr>
-      </p:pic>
-      <p:sp>
-        <p:nvSpPr>
-          <p:cNvPr id="4" name="Slide Number Placeholder 3">
-            <a:extLst>
-              <a:ext uri="{FF2B5EF4-FFF2-40B4-BE49-F238E27FC236}">
-                <a16:creationId xmlns:a16="http://schemas.microsoft.com/office/drawing/2014/main" id="{D97B9F14-AF67-49FE-B374-1D9A58AFDFBB}"/>
-              </a:ext>
-            </a:extLst>
-          </p:cNvPr>
-          <p:cNvSpPr>
-            <a:spLocks noGrp="1"/>
-          </p:cNvSpPr>
-          <p:nvPr>
-            <p:ph type="sldNum" sz="quarter" idx="12"/>
-          </p:nvPr>
-        </p:nvSpPr>
-        <p:spPr/>
-        <p:txBody>
-          <a:bodyPr/>
-          <a:lstStyle/>
-          <a:p>
-            <a:fld id="{E78F02F3-22D8-47E7-88DF-DE854B750366}" type="slidenum">
-              <a:rPr lang="en-US" smtClean="0"/>
-              <a:t>27</a:t>
-            </a:fld>
-            <a:endParaRPr lang="en-US"/>
-          </a:p>
-        </p:txBody>
-      </p:sp>
-    </p:spTree>
-    <p:extLst>
-      <p:ext uri="{BB962C8B-B14F-4D97-AF65-F5344CB8AC3E}">
-        <p14:creationId xmlns:p14="http://schemas.microsoft.com/office/powerpoint/2010/main" val="3618020601"/>
       </p:ext>
     </p:extLst>
   </p:cSld>
@@ -11550,6 +11504,168 @@
       </p:grpSpPr>
       <p:sp>
         <p:nvSpPr>
+          <p:cNvPr id="3" name="Title 2"/>
+          <p:cNvSpPr>
+            <a:spLocks noGrp="1"/>
+          </p:cNvSpPr>
+          <p:nvPr>
+            <p:ph type="title"/>
+          </p:nvPr>
+        </p:nvSpPr>
+        <p:spPr>
+          <a:xfrm>
+            <a:off x="3048000" y="-370166"/>
+            <a:ext cx="10515600" cy="1325563"/>
+          </a:xfrm>
+        </p:spPr>
+        <p:txBody>
+          <a:bodyPr/>
+          <a:lstStyle/>
+          <a:p>
+            <a:r>
+              <a:rPr lang="en-US" dirty="0"/>
+              <a:t>Routes in Action</a:t>
+            </a:r>
+          </a:p>
+        </p:txBody>
+      </p:sp>
+      <p:sp>
+        <p:nvSpPr>
+          <p:cNvPr id="7" name="Footer Placeholder 1"/>
+          <p:cNvSpPr>
+            <a:spLocks noGrp="1"/>
+          </p:cNvSpPr>
+          <p:nvPr>
+            <p:ph type="ftr" sz="quarter" idx="11"/>
+          </p:nvPr>
+        </p:nvSpPr>
+        <p:spPr>
+          <a:xfrm>
+            <a:off x="89318" y="6494584"/>
+            <a:ext cx="1371600" cy="228600"/>
+          </a:xfrm>
+        </p:spPr>
+        <p:txBody>
+          <a:bodyPr/>
+          <a:lstStyle/>
+          <a:p>
+            <a:r>
+              <a:rPr lang="en-US"/>
+              <a:t>© Cognizant 2019</a:t>
+            </a:r>
+            <a:endParaRPr lang="en-US" dirty="0"/>
+          </a:p>
+        </p:txBody>
+      </p:sp>
+      <p:pic>
+        <p:nvPicPr>
+          <p:cNvPr id="2" name="Picture 1"/>
+          <p:cNvPicPr>
+            <a:picLocks noChangeAspect="1"/>
+          </p:cNvPicPr>
+          <p:nvPr/>
+        </p:nvPicPr>
+        <p:blipFill>
+          <a:blip r:embed="rId3"/>
+          <a:stretch>
+            <a:fillRect/>
+          </a:stretch>
+        </p:blipFill>
+        <p:spPr>
+          <a:xfrm>
+            <a:off x="522570" y="1399380"/>
+            <a:ext cx="5296418" cy="4245355"/>
+          </a:xfrm>
+          <a:prstGeom prst="rect">
+            <a:avLst/>
+          </a:prstGeom>
+        </p:spPr>
+      </p:pic>
+      <p:pic>
+        <p:nvPicPr>
+          <p:cNvPr id="8" name="Picture 7"/>
+          <p:cNvPicPr>
+            <a:picLocks noChangeAspect="1"/>
+          </p:cNvPicPr>
+          <p:nvPr/>
+        </p:nvPicPr>
+        <p:blipFill>
+          <a:blip r:embed="rId4"/>
+          <a:stretch>
+            <a:fillRect/>
+          </a:stretch>
+        </p:blipFill>
+        <p:spPr>
+          <a:xfrm>
+            <a:off x="6292046" y="1399379"/>
+            <a:ext cx="5285034" cy="4245355"/>
+          </a:xfrm>
+          <a:prstGeom prst="rect">
+            <a:avLst/>
+          </a:prstGeom>
+        </p:spPr>
+      </p:pic>
+      <p:sp>
+        <p:nvSpPr>
+          <p:cNvPr id="4" name="Slide Number Placeholder 3">
+            <a:extLst>
+              <a:ext uri="{FF2B5EF4-FFF2-40B4-BE49-F238E27FC236}">
+                <a16:creationId xmlns:a16="http://schemas.microsoft.com/office/drawing/2014/main" id="{D97B9F14-AF67-49FE-B374-1D9A58AFDFBB}"/>
+              </a:ext>
+            </a:extLst>
+          </p:cNvPr>
+          <p:cNvSpPr>
+            <a:spLocks noGrp="1"/>
+          </p:cNvSpPr>
+          <p:nvPr>
+            <p:ph type="sldNum" sz="quarter" idx="12"/>
+          </p:nvPr>
+        </p:nvSpPr>
+        <p:spPr/>
+        <p:txBody>
+          <a:bodyPr/>
+          <a:lstStyle/>
+          <a:p>
+            <a:fld id="{E78F02F3-22D8-47E7-88DF-DE854B750366}" type="slidenum">
+              <a:rPr lang="en-US" smtClean="0"/>
+              <a:t>28</a:t>
+            </a:fld>
+            <a:endParaRPr lang="en-US"/>
+          </a:p>
+        </p:txBody>
+      </p:sp>
+    </p:spTree>
+    <p:extLst>
+      <p:ext uri="{BB962C8B-B14F-4D97-AF65-F5344CB8AC3E}">
+        <p14:creationId xmlns:p14="http://schemas.microsoft.com/office/powerpoint/2010/main" val="3618020601"/>
+      </p:ext>
+    </p:extLst>
+  </p:cSld>
+  <p:clrMapOvr>
+    <a:masterClrMapping/>
+  </p:clrMapOvr>
+</p:sld>
+</file>
+
+<file path=ppt/slides/slide29.xml><?xml version="1.0" encoding="utf-8"?>
+<p:sld xmlns:a="http://schemas.openxmlformats.org/drawingml/2006/main" xmlns:r="http://schemas.openxmlformats.org/officeDocument/2006/relationships" xmlns:p="http://schemas.openxmlformats.org/presentationml/2006/main">
+  <p:cSld>
+    <p:spTree>
+      <p:nvGrpSpPr>
+        <p:cNvPr id="1" name=""/>
+        <p:cNvGrpSpPr/>
+        <p:nvPr/>
+      </p:nvGrpSpPr>
+      <p:grpSpPr>
+        <a:xfrm>
+          <a:off x="0" y="0"/>
+          <a:ext cx="0" cy="0"/>
+          <a:chOff x="0" y="0"/>
+          <a:chExt cx="0" cy="0"/>
+        </a:xfrm>
+      </p:grpSpPr>
+      <p:sp>
+        <p:nvSpPr>
           <p:cNvPr id="7" name="Footer Placeholder 1"/>
           <p:cNvSpPr>
             <a:spLocks noGrp="1"/>
@@ -11764,7 +11880,7 @@
           <a:p>
             <a:fld id="{E78F02F3-22D8-47E7-88DF-DE854B750366}" type="slidenum">
               <a:rPr lang="en-US" smtClean="0"/>
-              <a:t>28</a:t>
+              <a:t>29</a:t>
             </a:fld>
             <a:endParaRPr lang="en-US"/>
           </a:p>
@@ -11783,7 +11899,122 @@
 </p:sld>
 </file>
 
-<file path=ppt/slides/slide29.xml><?xml version="1.0" encoding="utf-8"?>
+<file path=ppt/slides/slide3.xml><?xml version="1.0" encoding="utf-8"?>
+<p:sld xmlns:a="http://schemas.openxmlformats.org/drawingml/2006/main" xmlns:r="http://schemas.openxmlformats.org/officeDocument/2006/relationships" xmlns:p="http://schemas.openxmlformats.org/presentationml/2006/main">
+  <p:cSld>
+    <p:spTree>
+      <p:nvGrpSpPr>
+        <p:cNvPr id="1" name=""/>
+        <p:cNvGrpSpPr/>
+        <p:nvPr/>
+      </p:nvGrpSpPr>
+      <p:grpSpPr>
+        <a:xfrm>
+          <a:off x="0" y="0"/>
+          <a:ext cx="0" cy="0"/>
+          <a:chOff x="0" y="0"/>
+          <a:chExt cx="0" cy="0"/>
+        </a:xfrm>
+      </p:grpSpPr>
+      <p:sp>
+        <p:nvSpPr>
+          <p:cNvPr id="6" name="Rectangle 5"/>
+          <p:cNvSpPr/>
+          <p:nvPr/>
+        </p:nvSpPr>
+        <p:spPr>
+          <a:xfrm>
+            <a:off x="1523999" y="5341258"/>
+            <a:ext cx="7010401" cy="754743"/>
+          </a:xfrm>
+          <a:prstGeom prst="rect">
+            <a:avLst/>
+          </a:prstGeom>
+          <a:noFill/>
+          <a:ln>
+            <a:noFill/>
+          </a:ln>
+        </p:spPr>
+        <p:style>
+          <a:lnRef idx="2">
+            <a:schemeClr val="accent1">
+              <a:shade val="50000"/>
+            </a:schemeClr>
+          </a:lnRef>
+          <a:fillRef idx="1">
+            <a:schemeClr val="accent1"/>
+          </a:fillRef>
+          <a:effectRef idx="0">
+            <a:schemeClr val="accent1"/>
+          </a:effectRef>
+          <a:fontRef idx="minor">
+            <a:schemeClr val="lt1"/>
+          </a:fontRef>
+        </p:style>
+        <p:txBody>
+          <a:bodyPr anchor="ctr"/>
+          <a:lstStyle/>
+          <a:p>
+            <a:pPr marL="238125" lvl="1"/>
+            <a:r>
+              <a:rPr lang="en-US" sz="3000" b="1" dirty="0">
+                <a:solidFill>
+                  <a:schemeClr val="tx1">
+                    <a:lumMod val="65000"/>
+                    <a:lumOff val="35000"/>
+                  </a:schemeClr>
+                </a:solidFill>
+                <a:latin typeface="Arial Rounded MT Bold" pitchFamily="34" charset="0"/>
+                <a:cs typeface="Arial" pitchFamily="34" charset="0"/>
+              </a:rPr>
+              <a:t>Components</a:t>
+            </a:r>
+          </a:p>
+        </p:txBody>
+      </p:sp>
+      <p:sp>
+        <p:nvSpPr>
+          <p:cNvPr id="2" name="Footer Placeholder 1">
+            <a:extLst>
+              <a:ext uri="{FF2B5EF4-FFF2-40B4-BE49-F238E27FC236}">
+                <a16:creationId xmlns:a16="http://schemas.microsoft.com/office/drawing/2014/main" id="{ADC2FFC0-D981-41FA-9EB1-0EB070A1C440}"/>
+              </a:ext>
+            </a:extLst>
+          </p:cNvPr>
+          <p:cNvSpPr>
+            <a:spLocks noGrp="1"/>
+          </p:cNvSpPr>
+          <p:nvPr>
+            <p:ph type="ftr" sz="quarter" idx="11"/>
+          </p:nvPr>
+        </p:nvSpPr>
+        <p:spPr/>
+        <p:txBody>
+          <a:bodyPr/>
+          <a:lstStyle/>
+          <a:p>
+            <a:r>
+              <a:rPr lang="en-US"/>
+              <a:t>© Cognizant 2019</a:t>
+            </a:r>
+            <a:endParaRPr lang="en-US" dirty="0"/>
+          </a:p>
+        </p:txBody>
+      </p:sp>
+    </p:spTree>
+    <p:extLst>
+      <p:ext uri="{BB962C8B-B14F-4D97-AF65-F5344CB8AC3E}">
+        <p14:creationId xmlns:p14="http://schemas.microsoft.com/office/powerpoint/2010/main" val="1621759564"/>
+      </p:ext>
+    </p:extLst>
+  </p:cSld>
+  <p:clrMapOvr>
+    <a:masterClrMapping/>
+  </p:clrMapOvr>
+</p:sld>
+</file>
+
+<file path=ppt/slides/slide30.xml><?xml version="1.0" encoding="utf-8"?>
 <p:sld xmlns:a="http://schemas.openxmlformats.org/drawingml/2006/main" xmlns:r="http://schemas.openxmlformats.org/officeDocument/2006/relationships" xmlns:p="http://schemas.openxmlformats.org/presentationml/2006/main">
   <p:cSld>
     <p:spTree>
@@ -11963,7 +12194,7 @@
           <a:p>
             <a:fld id="{E78F02F3-22D8-47E7-88DF-DE854B750366}" type="slidenum">
               <a:rPr lang="en-US" smtClean="0"/>
-              <a:t>29</a:t>
+              <a:t>30</a:t>
             </a:fld>
             <a:endParaRPr lang="en-US"/>
           </a:p>
@@ -11982,7 +12213,7 @@
 </p:sld>
 </file>
 
-<file path=ppt/slides/slide3.xml><?xml version="1.0" encoding="utf-8"?>
+<file path=ppt/slides/slide31.xml><?xml version="1.0" encoding="utf-8"?>
 <p:sld xmlns:a="http://schemas.openxmlformats.org/drawingml/2006/main" xmlns:r="http://schemas.openxmlformats.org/officeDocument/2006/relationships" xmlns:p="http://schemas.openxmlformats.org/presentationml/2006/main">
   <p:cSld>
     <p:spTree>
@@ -12001,14 +12232,14 @@
       </p:grpSpPr>
       <p:sp>
         <p:nvSpPr>
-          <p:cNvPr id="6" name="Rectangle 5"/>
+          <p:cNvPr id="4" name="Rectangle 3"/>
           <p:cNvSpPr/>
           <p:nvPr/>
         </p:nvSpPr>
         <p:spPr>
           <a:xfrm>
-            <a:off x="1523999" y="5341258"/>
-            <a:ext cx="7010401" cy="754743"/>
+            <a:off x="5410200" y="4648200"/>
+            <a:ext cx="5250543" cy="990600"/>
           </a:xfrm>
           <a:prstGeom prst="rect">
             <a:avLst/>
@@ -12038,121 +12269,6 @@
           <a:bodyPr anchor="ctr"/>
           <a:lstStyle/>
           <a:p>
-            <a:pPr marL="238125" lvl="1"/>
-            <a:r>
-              <a:rPr lang="en-US" sz="3000" b="1" dirty="0">
-                <a:solidFill>
-                  <a:schemeClr val="tx1">
-                    <a:lumMod val="65000"/>
-                    <a:lumOff val="35000"/>
-                  </a:schemeClr>
-                </a:solidFill>
-                <a:latin typeface="Arial Rounded MT Bold" pitchFamily="34" charset="0"/>
-                <a:cs typeface="Arial" pitchFamily="34" charset="0"/>
-              </a:rPr>
-              <a:t>Components</a:t>
-            </a:r>
-          </a:p>
-        </p:txBody>
-      </p:sp>
-      <p:sp>
-        <p:nvSpPr>
-          <p:cNvPr id="2" name="Footer Placeholder 1">
-            <a:extLst>
-              <a:ext uri="{FF2B5EF4-FFF2-40B4-BE49-F238E27FC236}">
-                <a16:creationId xmlns:a16="http://schemas.microsoft.com/office/drawing/2014/main" id="{ADC2FFC0-D981-41FA-9EB1-0EB070A1C440}"/>
-              </a:ext>
-            </a:extLst>
-          </p:cNvPr>
-          <p:cNvSpPr>
-            <a:spLocks noGrp="1"/>
-          </p:cNvSpPr>
-          <p:nvPr>
-            <p:ph type="ftr" sz="quarter" idx="11"/>
-          </p:nvPr>
-        </p:nvSpPr>
-        <p:spPr/>
-        <p:txBody>
-          <a:bodyPr/>
-          <a:lstStyle/>
-          <a:p>
-            <a:r>
-              <a:rPr lang="en-US"/>
-              <a:t>© Cognizant 2019</a:t>
-            </a:r>
-            <a:endParaRPr lang="en-US" dirty="0"/>
-          </a:p>
-        </p:txBody>
-      </p:sp>
-    </p:spTree>
-    <p:extLst>
-      <p:ext uri="{BB962C8B-B14F-4D97-AF65-F5344CB8AC3E}">
-        <p14:creationId xmlns:p14="http://schemas.microsoft.com/office/powerpoint/2010/main" val="1621759564"/>
-      </p:ext>
-    </p:extLst>
-  </p:cSld>
-  <p:clrMapOvr>
-    <a:masterClrMapping/>
-  </p:clrMapOvr>
-</p:sld>
-</file>
-
-<file path=ppt/slides/slide30.xml><?xml version="1.0" encoding="utf-8"?>
-<p:sld xmlns:a="http://schemas.openxmlformats.org/drawingml/2006/main" xmlns:r="http://schemas.openxmlformats.org/officeDocument/2006/relationships" xmlns:p="http://schemas.openxmlformats.org/presentationml/2006/main">
-  <p:cSld>
-    <p:spTree>
-      <p:nvGrpSpPr>
-        <p:cNvPr id="1" name=""/>
-        <p:cNvGrpSpPr/>
-        <p:nvPr/>
-      </p:nvGrpSpPr>
-      <p:grpSpPr>
-        <a:xfrm>
-          <a:off x="0" y="0"/>
-          <a:ext cx="0" cy="0"/>
-          <a:chOff x="0" y="0"/>
-          <a:chExt cx="0" cy="0"/>
-        </a:xfrm>
-      </p:grpSpPr>
-      <p:sp>
-        <p:nvSpPr>
-          <p:cNvPr id="4" name="Rectangle 3"/>
-          <p:cNvSpPr/>
-          <p:nvPr/>
-        </p:nvSpPr>
-        <p:spPr>
-          <a:xfrm>
-            <a:off x="5410200" y="4648200"/>
-            <a:ext cx="5250543" cy="990600"/>
-          </a:xfrm>
-          <a:prstGeom prst="rect">
-            <a:avLst/>
-          </a:prstGeom>
-          <a:noFill/>
-          <a:ln>
-            <a:noFill/>
-          </a:ln>
-        </p:spPr>
-        <p:style>
-          <a:lnRef idx="2">
-            <a:schemeClr val="accent1">
-              <a:shade val="50000"/>
-            </a:schemeClr>
-          </a:lnRef>
-          <a:fillRef idx="1">
-            <a:schemeClr val="accent1"/>
-          </a:fillRef>
-          <a:effectRef idx="0">
-            <a:schemeClr val="accent1"/>
-          </a:effectRef>
-          <a:fontRef idx="minor">
-            <a:schemeClr val="lt1"/>
-          </a:fontRef>
-        </p:style>
-        <p:txBody>
-          <a:bodyPr anchor="ctr"/>
-          <a:lstStyle/>
-          <a:p>
             <a:pPr marL="65088" lvl="1"/>
             <a:r>
               <a:rPr lang="en-US" sz="2400" dirty="0">
@@ -12207,7 +12323,7 @@
 </p:sld>
 </file>
 
-<file path=ppt/slides/slide31.xml><?xml version="1.0" encoding="utf-8"?>
+<file path=ppt/slides/slide32.xml><?xml version="1.0" encoding="utf-8"?>
 <p:sld xmlns:a="http://schemas.openxmlformats.org/drawingml/2006/main" xmlns:r="http://schemas.openxmlformats.org/officeDocument/2006/relationships" xmlns:p="http://schemas.openxmlformats.org/presentationml/2006/main">
   <p:cSld>
     <p:spTree>
@@ -15428,9 +15544,12 @@
 </file>
 
 <file path=customXml/item1.xml><?xml version="1.0" encoding="utf-8"?>
-<p:properties xmlns:p="http://schemas.microsoft.com/office/2006/metadata/properties" xmlns:xsi="http://www.w3.org/2001/XMLSchema-instance" xmlns:pc="http://schemas.microsoft.com/office/infopath/2007/PartnerControls">
-  <documentManagement/>
-</p:properties>
+<?mso-contentType ?>
+<FormTemplates xmlns="http://schemas.microsoft.com/sharepoint/v3/contenttype/forms">
+  <Display>DocumentLibraryForm</Display>
+  <Edit>DocumentLibraryForm</Edit>
+  <New>DocumentLibraryForm</New>
+</FormTemplates>
 </file>
 
 <file path=customXml/item2.xml><?xml version="1.0" encoding="utf-8"?>
@@ -15548,25 +15667,15 @@
 </file>
 
 <file path=customXml/item3.xml><?xml version="1.0" encoding="utf-8"?>
-<?mso-contentType ?>
-<FormTemplates xmlns="http://schemas.microsoft.com/sharepoint/v3/contenttype/forms">
-  <Display>DocumentLibraryForm</Display>
-  <Edit>DocumentLibraryForm</Edit>
-  <New>DocumentLibraryForm</New>
-</FormTemplates>
+<p:properties xmlns:p="http://schemas.microsoft.com/office/2006/metadata/properties" xmlns:xsi="http://www.w3.org/2001/XMLSchema-instance" xmlns:pc="http://schemas.microsoft.com/office/infopath/2007/PartnerControls">
+  <documentManagement/>
+</p:properties>
 </file>
 
 <file path=customXml/itemProps1.xml><?xml version="1.0" encoding="utf-8"?>
-<ds:datastoreItem xmlns:ds="http://schemas.openxmlformats.org/officeDocument/2006/customXml" ds:itemID="{75A8D2B5-4104-458E-AE25-2C1EE8DF6A9D}">
+<ds:datastoreItem xmlns:ds="http://schemas.openxmlformats.org/officeDocument/2006/customXml" ds:itemID="{7DB4A3E1-1D7B-4CCA-8A12-3F7880A41325}">
   <ds:schemaRefs>
-    <ds:schemaRef ds:uri="http://purl.org/dc/terms/"/>
-    <ds:schemaRef ds:uri="http://www.w3.org/XML/1998/namespace"/>
-    <ds:schemaRef ds:uri="http://schemas.microsoft.com/office/2006/documentManagement/types"/>
-    <ds:schemaRef ds:uri="http://purl.org/dc/elements/1.1/"/>
-    <ds:schemaRef ds:uri="http://purl.org/dc/dcmitype/"/>
-    <ds:schemaRef ds:uri="http://schemas.microsoft.com/office/infopath/2007/PartnerControls"/>
-    <ds:schemaRef ds:uri="http://schemas.openxmlformats.org/package/2006/metadata/core-properties"/>
-    <ds:schemaRef ds:uri="http://schemas.microsoft.com/office/2006/metadata/properties"/>
+    <ds:schemaRef ds:uri="http://schemas.microsoft.com/sharepoint/v3/contenttype/forms"/>
   </ds:schemaRefs>
 </ds:datastoreItem>
 </file>
@@ -15588,9 +15697,16 @@
 </file>
 
 <file path=customXml/itemProps3.xml><?xml version="1.0" encoding="utf-8"?>
-<ds:datastoreItem xmlns:ds="http://schemas.openxmlformats.org/officeDocument/2006/customXml" ds:itemID="{7DB4A3E1-1D7B-4CCA-8A12-3F7880A41325}">
+<ds:datastoreItem xmlns:ds="http://schemas.openxmlformats.org/officeDocument/2006/customXml" ds:itemID="{75A8D2B5-4104-458E-AE25-2C1EE8DF6A9D}">
   <ds:schemaRefs>
-    <ds:schemaRef ds:uri="http://schemas.microsoft.com/sharepoint/v3/contenttype/forms"/>
+    <ds:schemaRef ds:uri="http://purl.org/dc/terms/"/>
+    <ds:schemaRef ds:uri="http://www.w3.org/XML/1998/namespace"/>
+    <ds:schemaRef ds:uri="http://schemas.microsoft.com/office/2006/documentManagement/types"/>
+    <ds:schemaRef ds:uri="http://purl.org/dc/elements/1.1/"/>
+    <ds:schemaRef ds:uri="http://purl.org/dc/dcmitype/"/>
+    <ds:schemaRef ds:uri="http://schemas.microsoft.com/office/infopath/2007/PartnerControls"/>
+    <ds:schemaRef ds:uri="http://schemas.openxmlformats.org/package/2006/metadata/core-properties"/>
+    <ds:schemaRef ds:uri="http://schemas.microsoft.com/office/2006/metadata/properties"/>
   </ds:schemaRefs>
 </ds:datastoreItem>
 </file>
--- a/Angular 8 Day 3 Components, Directives and Routes.pptx
+++ b/Angular 8 Day 3 Components, Directives and Routes.pptx
@@ -27,9 +27,9 @@
     <p:sldId id="309" r:id="rId21"/>
     <p:sldId id="275" r:id="rId22"/>
     <p:sldId id="276" r:id="rId23"/>
-    <p:sldId id="299" r:id="rId24"/>
-    <p:sldId id="301" r:id="rId25"/>
-    <p:sldId id="296" r:id="rId26"/>
+    <p:sldId id="296" r:id="rId24"/>
+    <p:sldId id="299" r:id="rId25"/>
+    <p:sldId id="301" r:id="rId26"/>
     <p:sldId id="277" r:id="rId27"/>
     <p:sldId id="278" r:id="rId28"/>
     <p:sldId id="297" r:id="rId29"/>
@@ -8468,8 +8468,8 @@
         </p:nvSpPr>
         <p:spPr>
           <a:xfrm>
-            <a:off x="3017728" y="-297657"/>
-            <a:ext cx="8644003" cy="1325563"/>
+            <a:off x="3022600" y="-168274"/>
+            <a:ext cx="5190067" cy="989542"/>
           </a:xfrm>
         </p:spPr>
         <p:txBody>
@@ -8478,78 +8478,130 @@
           <a:p>
             <a:r>
               <a:rPr lang="en-US" dirty="0"/>
-              <a:t>HelloAngular home.component.html</a:t>
-            </a:r>
-          </a:p>
-        </p:txBody>
-      </p:sp>
-      <p:pic>
-        <p:nvPicPr>
-          <p:cNvPr id="4" name="Picture 3"/>
-          <p:cNvPicPr>
-            <a:picLocks noChangeAspect="1"/>
-          </p:cNvPicPr>
+              <a:t>App Routing Module</a:t>
+            </a:r>
+          </a:p>
+        </p:txBody>
+      </p:sp>
+      <p:sp>
+        <p:nvSpPr>
+          <p:cNvPr id="6" name="Rectangle 5"/>
+          <p:cNvSpPr/>
           <p:nvPr/>
-        </p:nvPicPr>
-        <p:blipFill>
-          <a:blip r:embed="rId2"/>
-          <a:stretch>
-            <a:fillRect/>
-          </a:stretch>
-        </p:blipFill>
+        </p:nvSpPr>
         <p:spPr>
           <a:xfrm>
-            <a:off x="3767056" y="870820"/>
-            <a:ext cx="7656681" cy="5548769"/>
+            <a:off x="748609" y="1620121"/>
+            <a:ext cx="11268982" cy="3323987"/>
           </a:xfrm>
           <a:prstGeom prst="rect">
             <a:avLst/>
           </a:prstGeom>
         </p:spPr>
-      </p:pic>
-      <p:sp>
-        <p:nvSpPr>
-          <p:cNvPr id="5" name="TextBox 4"/>
-          <p:cNvSpPr txBox="1"/>
+        <p:txBody>
+          <a:bodyPr wrap="none">
+            <a:spAutoFit/>
+          </a:bodyPr>
+          <a:lstStyle/>
+          <a:p>
+            <a:pPr marL="285750" indent="-285750">
+              <a:buFont typeface="Arial" panose="020B0604020202020204" pitchFamily="34" charset="0"/>
+              <a:buChar char="•"/>
+            </a:pPr>
+            <a:r>
+              <a:rPr lang="en-US" sz="2400" dirty="0"/>
+              <a:t>You can add routing after the fact</a:t>
+            </a:r>
+          </a:p>
+          <a:p>
+            <a:pPr marL="742950" lvl="1" indent="-285750">
+              <a:buFont typeface="Arial" panose="020B0604020202020204" pitchFamily="34" charset="0"/>
+              <a:buChar char="•"/>
+            </a:pPr>
+            <a:r>
+              <a:rPr lang="en-US" sz="2400" dirty="0"/>
+              <a:t>Angular best practice is to create a separate, top-level module dedicated to routing</a:t>
+            </a:r>
+          </a:p>
+          <a:p>
+            <a:pPr marL="742950" lvl="1" indent="-285750">
+              <a:buFont typeface="Arial" panose="020B0604020202020204" pitchFamily="34" charset="0"/>
+              <a:buChar char="•"/>
+            </a:pPr>
+            <a:endParaRPr lang="en-US" sz="2400" dirty="0"/>
+          </a:p>
+          <a:p>
+            <a:pPr marL="742950" lvl="1" indent="-285750">
+              <a:buFont typeface="Arial" panose="020B0604020202020204" pitchFamily="34" charset="0"/>
+              <a:buChar char="•"/>
+            </a:pPr>
+            <a:endParaRPr lang="en-US" sz="2400" dirty="0"/>
+          </a:p>
+          <a:p>
+            <a:pPr marL="742950" lvl="1" indent="-285750">
+              <a:buFont typeface="Arial" panose="020B0604020202020204" pitchFamily="34" charset="0"/>
+              <a:buChar char="•"/>
+            </a:pPr>
+            <a:endParaRPr lang="en-US" sz="2400" dirty="0"/>
+          </a:p>
+          <a:p>
+            <a:pPr marL="742950" lvl="1" indent="-285750">
+              <a:buFont typeface="Arial" panose="020B0604020202020204" pitchFamily="34" charset="0"/>
+              <a:buChar char="•"/>
+            </a:pPr>
+            <a:endParaRPr lang="en-US" sz="2400" dirty="0"/>
+          </a:p>
+          <a:p>
+            <a:pPr marL="742950" lvl="1" indent="-285750">
+              <a:buFont typeface="Arial" panose="020B0604020202020204" pitchFamily="34" charset="0"/>
+              <a:buChar char="•"/>
+            </a:pPr>
+            <a:r>
+              <a:rPr lang="en-US" sz="2400" dirty="0"/>
+              <a:t>- - flat flag will place the module in the top level</a:t>
+            </a:r>
+          </a:p>
+          <a:p>
+            <a:pPr marL="742950" lvl="1" indent="-285750">
+              <a:buFont typeface="Arial" panose="020B0604020202020204" pitchFamily="34" charset="0"/>
+              <a:buChar char="•"/>
+            </a:pPr>
+            <a:r>
+              <a:rPr lang="en-US" sz="2400" dirty="0"/>
+              <a:t>- - module=app will add the import for app-routing inside of </a:t>
+            </a:r>
+            <a:r>
+              <a:rPr lang="en-US" sz="2400" dirty="0" err="1"/>
+              <a:t>AppModule</a:t>
+            </a:r>
+            <a:endParaRPr lang="en-US" sz="2400" dirty="0"/>
+          </a:p>
+          <a:p>
+            <a:pPr lvl="1"/>
+            <a:endParaRPr lang="en-US" dirty="0"/>
+          </a:p>
+        </p:txBody>
+      </p:sp>
+      <p:sp>
+        <p:nvSpPr>
+          <p:cNvPr id="7" name="Rectangle 6"/>
+          <p:cNvSpPr/>
           <p:nvPr/>
         </p:nvSpPr>
         <p:spPr>
           <a:xfrm>
-            <a:off x="375781" y="2943616"/>
-            <a:ext cx="2403954" cy="923330"/>
+            <a:off x="2303709" y="2820699"/>
+            <a:ext cx="7559494" cy="707645"/>
           </a:xfrm>
           <a:prstGeom prst="rect">
             <a:avLst/>
           </a:prstGeom>
-          <a:noFill/>
-        </p:spPr>
-        <p:txBody>
-          <a:bodyPr wrap="square" rtlCol="0">
-            <a:spAutoFit/>
-          </a:bodyPr>
-          <a:lstStyle/>
-          <a:p>
-            <a:r>
-              <a:rPr lang="en-US" dirty="0"/>
-              <a:t>Migrate content from app.component.html here</a:t>
-            </a:r>
-          </a:p>
-        </p:txBody>
-      </p:sp>
-      <p:sp>
-        <p:nvSpPr>
-          <p:cNvPr id="6" name="Right Arrow 5"/>
-          <p:cNvSpPr/>
-          <p:nvPr/>
-        </p:nvSpPr>
-        <p:spPr>
-          <a:xfrm>
-            <a:off x="2617940" y="3042026"/>
-            <a:ext cx="1027134" cy="363255"/>
-          </a:xfrm>
-          <a:prstGeom prst="rightArrow">
-            <a:avLst/>
-          </a:prstGeom>
+          <a:solidFill>
+            <a:schemeClr val="tx1"/>
+          </a:solidFill>
+          <a:ln>
+            <a:noFill/>
+          </a:ln>
         </p:spPr>
         <p:style>
           <a:lnRef idx="2">
@@ -8571,14 +8623,22 @@
           <a:bodyPr rtlCol="0" anchor="ctr"/>
           <a:lstStyle/>
           <a:p>
-            <a:pPr algn="ctr"/>
-            <a:endParaRPr lang="en-US"/>
-          </a:p>
-        </p:txBody>
-      </p:sp>
-      <p:sp>
-        <p:nvSpPr>
-          <p:cNvPr id="7" name="Footer Placeholder 1"/>
+            <a:r>
+              <a:rPr lang="en-US" dirty="0">
+                <a:solidFill>
+                  <a:schemeClr val="bg1"/>
+                </a:solidFill>
+                <a:latin typeface="Courier New" panose="02070309020205020404" pitchFamily="49" charset="0"/>
+                <a:cs typeface="Courier New" panose="02070309020205020404" pitchFamily="49" charset="0"/>
+              </a:rPr>
+              <a:t>ng g module app-routing   - -flat   - -module=app</a:t>
+            </a:r>
+          </a:p>
+        </p:txBody>
+      </p:sp>
+      <p:sp>
+        <p:nvSpPr>
+          <p:cNvPr id="5" name="Footer Placeholder 1"/>
           <p:cNvSpPr>
             <a:spLocks noGrp="1"/>
           </p:cNvSpPr>
@@ -8609,7 +8669,7 @@
           <p:cNvPr id="3" name="Slide Number Placeholder 2">
             <a:extLst>
               <a:ext uri="{FF2B5EF4-FFF2-40B4-BE49-F238E27FC236}">
-                <a16:creationId xmlns:a16="http://schemas.microsoft.com/office/drawing/2014/main" id="{9741F058-D431-4E41-9E20-A96C64BFFA82}"/>
+                <a16:creationId xmlns:a16="http://schemas.microsoft.com/office/drawing/2014/main" id="{F21176AF-8FD5-450F-87DE-CCCA0FB5FC3A}"/>
               </a:ext>
             </a:extLst>
           </p:cNvPr>
@@ -8636,7 +8696,7 @@
     </p:spTree>
     <p:extLst>
       <p:ext uri="{BB962C8B-B14F-4D97-AF65-F5344CB8AC3E}">
-        <p14:creationId xmlns:p14="http://schemas.microsoft.com/office/powerpoint/2010/main" val="1668372707"/>
+        <p14:creationId xmlns:p14="http://schemas.microsoft.com/office/powerpoint/2010/main" val="2552457289"/>
       </p:ext>
     </p:extLst>
   </p:cSld>
@@ -8685,11 +8745,35 @@
           <a:p>
             <a:r>
               <a:rPr lang="en-US" dirty="0"/>
-              <a:t>HelloAngular HomeComponent</a:t>
-            </a:r>
-          </a:p>
-        </p:txBody>
-      </p:sp>
+              <a:t>HelloAngular home.component.html</a:t>
+            </a:r>
+          </a:p>
+        </p:txBody>
+      </p:sp>
+      <p:pic>
+        <p:nvPicPr>
+          <p:cNvPr id="4" name="Picture 3"/>
+          <p:cNvPicPr>
+            <a:picLocks noChangeAspect="1"/>
+          </p:cNvPicPr>
+          <p:nvPr/>
+        </p:nvPicPr>
+        <p:blipFill>
+          <a:blip r:embed="rId2"/>
+          <a:stretch>
+            <a:fillRect/>
+          </a:stretch>
+        </p:blipFill>
+        <p:spPr>
+          <a:xfrm>
+            <a:off x="3767056" y="870820"/>
+            <a:ext cx="7656681" cy="5548769"/>
+          </a:xfrm>
+          <a:prstGeom prst="rect">
+            <a:avLst/>
+          </a:prstGeom>
+        </p:spPr>
+      </p:pic>
       <p:sp>
         <p:nvSpPr>
           <p:cNvPr id="5" name="TextBox 4"/>
@@ -8698,8 +8782,8 @@
         </p:nvSpPr>
         <p:spPr>
           <a:xfrm>
-            <a:off x="597725" y="2898319"/>
-            <a:ext cx="3093929" cy="1754326"/>
+            <a:off x="375781" y="2943616"/>
+            <a:ext cx="2403954" cy="923330"/>
           </a:xfrm>
           <a:prstGeom prst="rect">
             <a:avLst/>
@@ -8714,16 +8798,7 @@
           <a:p>
             <a:r>
               <a:rPr lang="en-US" dirty="0"/>
-              <a:t>Migrate content from AppComponent </a:t>
-            </a:r>
-          </a:p>
-          <a:p>
-            <a:endParaRPr lang="en-US" dirty="0"/>
-          </a:p>
-          <a:p>
-            <a:r>
-              <a:rPr lang="en-US" dirty="0"/>
-              <a:t>(just the class properties and methods not the @Component stuff)</a:t>
+              <a:t>Migrate content from app.component.html here</a:t>
             </a:r>
           </a:p>
         </p:txBody>
@@ -8736,7 +8811,7 @@
         </p:nvSpPr>
         <p:spPr>
           <a:xfrm>
-            <a:off x="3691654" y="3230600"/>
+            <a:off x="2617940" y="3042026"/>
             <a:ext cx="1027134" cy="363255"/>
           </a:xfrm>
           <a:prstGeom prst="rightArrow">
@@ -8768,30 +8843,6 @@
           </a:p>
         </p:txBody>
       </p:sp>
-      <p:pic>
-        <p:nvPicPr>
-          <p:cNvPr id="3" name="Picture 2"/>
-          <p:cNvPicPr>
-            <a:picLocks noChangeAspect="1"/>
-          </p:cNvPicPr>
-          <p:nvPr/>
-        </p:nvPicPr>
-        <p:blipFill>
-          <a:blip r:embed="rId2"/>
-          <a:stretch>
-            <a:fillRect/>
-          </a:stretch>
-        </p:blipFill>
-        <p:spPr>
-          <a:xfrm>
-            <a:off x="5164246" y="730779"/>
-            <a:ext cx="6384751" cy="5726152"/>
-          </a:xfrm>
-          <a:prstGeom prst="rect">
-            <a:avLst/>
-          </a:prstGeom>
-        </p:spPr>
-      </p:pic>
       <p:sp>
         <p:nvSpPr>
           <p:cNvPr id="7" name="Footer Placeholder 1"/>
@@ -8822,10 +8873,10 @@
       </p:sp>
       <p:sp>
         <p:nvSpPr>
-          <p:cNvPr id="4" name="Slide Number Placeholder 3">
+          <p:cNvPr id="3" name="Slide Number Placeholder 2">
             <a:extLst>
               <a:ext uri="{FF2B5EF4-FFF2-40B4-BE49-F238E27FC236}">
-                <a16:creationId xmlns:a16="http://schemas.microsoft.com/office/drawing/2014/main" id="{6E2B3048-7E56-487F-8C84-665ACD3C5B9E}"/>
+                <a16:creationId xmlns:a16="http://schemas.microsoft.com/office/drawing/2014/main" id="{9741F058-D431-4E41-9E20-A96C64BFFA82}"/>
               </a:ext>
             </a:extLst>
           </p:cNvPr>
@@ -8852,7 +8903,7 @@
     </p:spTree>
     <p:extLst>
       <p:ext uri="{BB962C8B-B14F-4D97-AF65-F5344CB8AC3E}">
-        <p14:creationId xmlns:p14="http://schemas.microsoft.com/office/powerpoint/2010/main" val="1883454954"/>
+        <p14:creationId xmlns:p14="http://schemas.microsoft.com/office/powerpoint/2010/main" val="1668372707"/>
       </p:ext>
     </p:extLst>
   </p:cSld>
@@ -8891,8 +8942,8 @@
         </p:nvSpPr>
         <p:spPr>
           <a:xfrm>
-            <a:off x="3022600" y="-168274"/>
-            <a:ext cx="5190067" cy="989542"/>
+            <a:off x="3017728" y="-297657"/>
+            <a:ext cx="8644003" cy="1325563"/>
           </a:xfrm>
         </p:spPr>
         <p:txBody>
@@ -8901,130 +8952,63 @@
           <a:p>
             <a:r>
               <a:rPr lang="en-US" dirty="0"/>
-              <a:t>App Routing Module</a:t>
-            </a:r>
-          </a:p>
-        </p:txBody>
-      </p:sp>
-      <p:sp>
-        <p:nvSpPr>
-          <p:cNvPr id="6" name="Rectangle 5"/>
-          <p:cNvSpPr/>
+              <a:t>HelloAngular HomeComponent</a:t>
+            </a:r>
+          </a:p>
+        </p:txBody>
+      </p:sp>
+      <p:sp>
+        <p:nvSpPr>
+          <p:cNvPr id="5" name="TextBox 4"/>
+          <p:cNvSpPr txBox="1"/>
           <p:nvPr/>
         </p:nvSpPr>
         <p:spPr>
           <a:xfrm>
-            <a:off x="748609" y="1620121"/>
-            <a:ext cx="11268982" cy="3323987"/>
+            <a:off x="597725" y="2898319"/>
+            <a:ext cx="3093929" cy="1754326"/>
           </a:xfrm>
           <a:prstGeom prst="rect">
             <a:avLst/>
           </a:prstGeom>
-        </p:spPr>
-        <p:txBody>
-          <a:bodyPr wrap="none">
+          <a:noFill/>
+        </p:spPr>
+        <p:txBody>
+          <a:bodyPr wrap="square" rtlCol="0">
             <a:spAutoFit/>
           </a:bodyPr>
           <a:lstStyle/>
           <a:p>
-            <a:pPr marL="285750" indent="-285750">
-              <a:buFont typeface="Arial" panose="020B0604020202020204" pitchFamily="34" charset="0"/>
-              <a:buChar char="•"/>
-            </a:pPr>
-            <a:r>
-              <a:rPr lang="en-US" sz="2400" dirty="0"/>
-              <a:t>You can add routing after the fact</a:t>
-            </a:r>
-          </a:p>
-          <a:p>
-            <a:pPr marL="742950" lvl="1" indent="-285750">
-              <a:buFont typeface="Arial" panose="020B0604020202020204" pitchFamily="34" charset="0"/>
-              <a:buChar char="•"/>
-            </a:pPr>
-            <a:r>
-              <a:rPr lang="en-US" sz="2400" dirty="0"/>
-              <a:t>Angular best practice is to create a separate, top-level module dedicated to routing</a:t>
-            </a:r>
-          </a:p>
-          <a:p>
-            <a:pPr marL="742950" lvl="1" indent="-285750">
-              <a:buFont typeface="Arial" panose="020B0604020202020204" pitchFamily="34" charset="0"/>
-              <a:buChar char="•"/>
-            </a:pPr>
-            <a:endParaRPr lang="en-US" sz="2400" dirty="0"/>
-          </a:p>
-          <a:p>
-            <a:pPr marL="742950" lvl="1" indent="-285750">
-              <a:buFont typeface="Arial" panose="020B0604020202020204" pitchFamily="34" charset="0"/>
-              <a:buChar char="•"/>
-            </a:pPr>
-            <a:endParaRPr lang="en-US" sz="2400" dirty="0"/>
-          </a:p>
-          <a:p>
-            <a:pPr marL="742950" lvl="1" indent="-285750">
-              <a:buFont typeface="Arial" panose="020B0604020202020204" pitchFamily="34" charset="0"/>
-              <a:buChar char="•"/>
-            </a:pPr>
-            <a:endParaRPr lang="en-US" sz="2400" dirty="0"/>
-          </a:p>
-          <a:p>
-            <a:pPr marL="742950" lvl="1" indent="-285750">
-              <a:buFont typeface="Arial" panose="020B0604020202020204" pitchFamily="34" charset="0"/>
-              <a:buChar char="•"/>
-            </a:pPr>
-            <a:endParaRPr lang="en-US" sz="2400" dirty="0"/>
-          </a:p>
-          <a:p>
-            <a:pPr marL="742950" lvl="1" indent="-285750">
-              <a:buFont typeface="Arial" panose="020B0604020202020204" pitchFamily="34" charset="0"/>
-              <a:buChar char="•"/>
-            </a:pPr>
-            <a:r>
-              <a:rPr lang="en-US" sz="2400" dirty="0"/>
-              <a:t>- - flat flag will place the module in the top level</a:t>
-            </a:r>
-          </a:p>
-          <a:p>
-            <a:pPr marL="742950" lvl="1" indent="-285750">
-              <a:buFont typeface="Arial" panose="020B0604020202020204" pitchFamily="34" charset="0"/>
-              <a:buChar char="•"/>
-            </a:pPr>
-            <a:r>
-              <a:rPr lang="en-US" sz="2400" dirty="0"/>
-              <a:t>- - module=app will add the import for app-routing inside of </a:t>
-            </a:r>
-            <a:r>
-              <a:rPr lang="en-US" sz="2400" dirty="0" err="1"/>
-              <a:t>AppModule</a:t>
-            </a:r>
-            <a:endParaRPr lang="en-US" sz="2400" dirty="0"/>
-          </a:p>
-          <a:p>
-            <a:pPr lvl="1"/>
+            <a:r>
+              <a:rPr lang="en-US" dirty="0"/>
+              <a:t>Migrate content from AppComponent </a:t>
+            </a:r>
+          </a:p>
+          <a:p>
             <a:endParaRPr lang="en-US" dirty="0"/>
           </a:p>
-        </p:txBody>
-      </p:sp>
-      <p:sp>
-        <p:nvSpPr>
-          <p:cNvPr id="7" name="Rectangle 6"/>
+          <a:p>
+            <a:r>
+              <a:rPr lang="en-US" dirty="0"/>
+              <a:t>(just the class properties and methods not the @Component stuff)</a:t>
+            </a:r>
+          </a:p>
+        </p:txBody>
+      </p:sp>
+      <p:sp>
+        <p:nvSpPr>
+          <p:cNvPr id="6" name="Right Arrow 5"/>
           <p:cNvSpPr/>
           <p:nvPr/>
         </p:nvSpPr>
         <p:spPr>
           <a:xfrm>
-            <a:off x="2303709" y="2820699"/>
-            <a:ext cx="7559494" cy="707645"/>
-          </a:xfrm>
-          <a:prstGeom prst="rect">
+            <a:off x="3691654" y="3230600"/>
+            <a:ext cx="1027134" cy="363255"/>
+          </a:xfrm>
+          <a:prstGeom prst="rightArrow">
             <a:avLst/>
           </a:prstGeom>
-          <a:solidFill>
-            <a:schemeClr val="tx1"/>
-          </a:solidFill>
-          <a:ln>
-            <a:noFill/>
-          </a:ln>
         </p:spPr>
         <p:style>
           <a:lnRef idx="2">
@@ -9046,22 +9030,38 @@
           <a:bodyPr rtlCol="0" anchor="ctr"/>
           <a:lstStyle/>
           <a:p>
-            <a:r>
-              <a:rPr lang="en-US" dirty="0">
-                <a:solidFill>
-                  <a:schemeClr val="bg1"/>
-                </a:solidFill>
-                <a:latin typeface="Courier New" panose="02070309020205020404" pitchFamily="49" charset="0"/>
-                <a:cs typeface="Courier New" panose="02070309020205020404" pitchFamily="49" charset="0"/>
-              </a:rPr>
-              <a:t>ng g module app-routing   - -flat   - -module=app</a:t>
-            </a:r>
-          </a:p>
-        </p:txBody>
-      </p:sp>
-      <p:sp>
-        <p:nvSpPr>
-          <p:cNvPr id="5" name="Footer Placeholder 1"/>
+            <a:pPr algn="ctr"/>
+            <a:endParaRPr lang="en-US"/>
+          </a:p>
+        </p:txBody>
+      </p:sp>
+      <p:pic>
+        <p:nvPicPr>
+          <p:cNvPr id="3" name="Picture 2"/>
+          <p:cNvPicPr>
+            <a:picLocks noChangeAspect="1"/>
+          </p:cNvPicPr>
+          <p:nvPr/>
+        </p:nvPicPr>
+        <p:blipFill>
+          <a:blip r:embed="rId2"/>
+          <a:stretch>
+            <a:fillRect/>
+          </a:stretch>
+        </p:blipFill>
+        <p:spPr>
+          <a:xfrm>
+            <a:off x="5164246" y="730779"/>
+            <a:ext cx="6384751" cy="5726152"/>
+          </a:xfrm>
+          <a:prstGeom prst="rect">
+            <a:avLst/>
+          </a:prstGeom>
+        </p:spPr>
+      </p:pic>
+      <p:sp>
+        <p:nvSpPr>
+          <p:cNvPr id="7" name="Footer Placeholder 1"/>
           <p:cNvSpPr>
             <a:spLocks noGrp="1"/>
           </p:cNvSpPr>
@@ -9089,10 +9089,10 @@
       </p:sp>
       <p:sp>
         <p:nvSpPr>
-          <p:cNvPr id="3" name="Slide Number Placeholder 2">
+          <p:cNvPr id="4" name="Slide Number Placeholder 3">
             <a:extLst>
               <a:ext uri="{FF2B5EF4-FFF2-40B4-BE49-F238E27FC236}">
-                <a16:creationId xmlns:a16="http://schemas.microsoft.com/office/drawing/2014/main" id="{F21176AF-8FD5-450F-87DE-CCCA0FB5FC3A}"/>
+                <a16:creationId xmlns:a16="http://schemas.microsoft.com/office/drawing/2014/main" id="{6E2B3048-7E56-487F-8C84-665ACD3C5B9E}"/>
               </a:ext>
             </a:extLst>
           </p:cNvPr>
@@ -9119,7 +9119,7 @@
     </p:spTree>
     <p:extLst>
       <p:ext uri="{BB962C8B-B14F-4D97-AF65-F5344CB8AC3E}">
-        <p14:creationId xmlns:p14="http://schemas.microsoft.com/office/powerpoint/2010/main" val="2552457289"/>
+        <p14:creationId xmlns:p14="http://schemas.microsoft.com/office/powerpoint/2010/main" val="1883454954"/>
       </p:ext>
     </p:extLst>
   </p:cSld>
@@ -15544,15 +15544,6 @@
 </file>
 
 <file path=customXml/item1.xml><?xml version="1.0" encoding="utf-8"?>
-<?mso-contentType ?>
-<FormTemplates xmlns="http://schemas.microsoft.com/sharepoint/v3/contenttype/forms">
-  <Display>DocumentLibraryForm</Display>
-  <Edit>DocumentLibraryForm</Edit>
-  <New>DocumentLibraryForm</New>
-</FormTemplates>
-</file>
-
-<file path=customXml/item2.xml><?xml version="1.0" encoding="utf-8"?>
 <ct:contentTypeSchema xmlns:ct="http://schemas.microsoft.com/office/2006/metadata/contentType" xmlns:ma="http://schemas.microsoft.com/office/2006/metadata/properties/metaAttributes" ct:_="" ma:_="" ma:contentTypeName="Document" ma:contentTypeID="0x010100348CA4AA68F5A649B6FC2B4481499820" ma:contentTypeVersion="0" ma:contentTypeDescription="Create a new document." ma:contentTypeScope="" ma:versionID="b9f06d6c5e6413d5718fbf4634c1f44f">
   <xsd:schema xmlns:xsd="http://www.w3.org/2001/XMLSchema" xmlns:xs="http://www.w3.org/2001/XMLSchema" xmlns:p="http://schemas.microsoft.com/office/2006/metadata/properties" targetNamespace="http://schemas.microsoft.com/office/2006/metadata/properties" ma:root="true" ma:fieldsID="c64490b4aec6201516c3a874156f37b2">
     <xsd:element name="properties">
@@ -15666,6 +15657,15 @@
 </ct:contentTypeSchema>
 </file>
 
+<file path=customXml/item2.xml><?xml version="1.0" encoding="utf-8"?>
+<?mso-contentType ?>
+<FormTemplates xmlns="http://schemas.microsoft.com/sharepoint/v3/contenttype/forms">
+  <Display>DocumentLibraryForm</Display>
+  <Edit>DocumentLibraryForm</Edit>
+  <New>DocumentLibraryForm</New>
+</FormTemplates>
+</file>
+
 <file path=customXml/item3.xml><?xml version="1.0" encoding="utf-8"?>
 <p:properties xmlns:p="http://schemas.microsoft.com/office/2006/metadata/properties" xmlns:xsi="http://www.w3.org/2001/XMLSchema-instance" xmlns:pc="http://schemas.microsoft.com/office/infopath/2007/PartnerControls">
   <documentManagement/>
@@ -15673,14 +15673,6 @@
 </file>
 
 <file path=customXml/itemProps1.xml><?xml version="1.0" encoding="utf-8"?>
-<ds:datastoreItem xmlns:ds="http://schemas.openxmlformats.org/officeDocument/2006/customXml" ds:itemID="{7DB4A3E1-1D7B-4CCA-8A12-3F7880A41325}">
-  <ds:schemaRefs>
-    <ds:schemaRef ds:uri="http://schemas.microsoft.com/sharepoint/v3/contenttype/forms"/>
-  </ds:schemaRefs>
-</ds:datastoreItem>
-</file>
-
-<file path=customXml/itemProps2.xml><?xml version="1.0" encoding="utf-8"?>
 <ds:datastoreItem xmlns:ds="http://schemas.openxmlformats.org/officeDocument/2006/customXml" ds:itemID="{7E5255F1-5CF0-45B8-8460-DF63AA51A5BE}">
   <ds:schemaRefs>
     <ds:schemaRef ds:uri="http://schemas.microsoft.com/office/2006/metadata/contentType"/>
@@ -15692,6 +15684,14 @@
     <ds:schemaRef ds:uri="http://purl.org/dc/terms/"/>
     <ds:schemaRef ds:uri="http://schemas.microsoft.com/internal/obd"/>
     <ds:schemaRef ds:uri="http://schemas.microsoft.com/office/infopath/2007/PartnerControls"/>
+  </ds:schemaRefs>
+</ds:datastoreItem>
+</file>
+
+<file path=customXml/itemProps2.xml><?xml version="1.0" encoding="utf-8"?>
+<ds:datastoreItem xmlns:ds="http://schemas.openxmlformats.org/officeDocument/2006/customXml" ds:itemID="{7DB4A3E1-1D7B-4CCA-8A12-3F7880A41325}">
+  <ds:schemaRefs>
+    <ds:schemaRef ds:uri="http://schemas.microsoft.com/sharepoint/v3/contenttype/forms"/>
   </ds:schemaRefs>
 </ds:datastoreItem>
 </file>
